--- a/1. Statistics and Machine Learning/4. Investment Assignment/Spark+Funds+Final+Presentation.pptx
+++ b/1. Statistics and Machine Learning/4. Investment Assignment/Spark+Funds+Final+Presentation.pptx
@@ -1,19 +1,18 @@
 
 <file path=ppt/presentation.xml><?xml version="1.0" encoding="utf-8"?>
-<p:presentation xmlns:a="http://schemas.openxmlformats.org/drawingml/2006/main" xmlns:r="http://schemas.openxmlformats.org/officeDocument/2006/relationships" xmlns:p="http://schemas.openxmlformats.org/presentationml/2006/main" saveSubsetFonts="1">
+<p:presentation xmlns:a="http://schemas.openxmlformats.org/drawingml/2006/main" xmlns:r="http://schemas.openxmlformats.org/officeDocument/2006/relationships" xmlns:p="http://schemas.openxmlformats.org/presentationml/2006/main">
   <p:sldMasterIdLst>
-    <p:sldMasterId id="2147483660" r:id="rId1"/>
+    <p:sldMasterId id="2147483648" r:id="rId1"/>
   </p:sldMasterIdLst>
   <p:notesMasterIdLst>
     <p:notesMasterId r:id="rId12"/>
   </p:notesMasterIdLst>
   <p:sldIdLst>
-    <p:sldId id="256" r:id="rId2"/>
-    <p:sldId id="257" r:id="rId3"/>
-    <p:sldId id="258" r:id="rId4"/>
-    <p:sldId id="259" r:id="rId5"/>
-    <p:sldId id="260" r:id="rId6"/>
-    <p:sldId id="267" r:id="rId7"/>
+    <p:sldId id="256" r:id="rId3"/>
+    <p:sldId id="257" r:id="rId4"/>
+    <p:sldId id="258" r:id="rId5"/>
+    <p:sldId id="272" r:id="rId6"/>
+    <p:sldId id="259" r:id="rId7"/>
     <p:sldId id="262" r:id="rId8"/>
     <p:sldId id="268" r:id="rId9"/>
     <p:sldId id="269" r:id="rId10"/>
@@ -116,14 +115,6 @@
       </a:defRPr>
     </a:lvl9pPr>
   </p:defaultTextStyle>
-  <p:extLst>
-    <p:ext uri="{EFAFB233-063F-42B5-8137-9DF3F51BA10A}">
-      <p15:sldGuideLst xmlns:p15="http://schemas.microsoft.com/office/powerpoint/2012/main"/>
-    </p:ext>
-    <p:ext uri="{2D200454-40CA-4A62-9FC3-DE9A4176ACB9}">
-      <p15:notesGuideLst xmlns:p15="http://schemas.microsoft.com/office/powerpoint/2012/main"/>
-    </p:ext>
-  </p:extLst>
 </p:presentation>
 </file>
 
@@ -209,7 +200,6 @@
           <a:p>
             <a:fld id="{2E309023-AF2B-4043-B228-F191CADC9BB1}" type="datetimeFigureOut">
               <a:rPr lang="en-IN" smtClean="0"/>
-              <a:t>29/06/18</a:t>
             </a:fld>
             <a:endParaRPr lang="en-IN"/>
           </a:p>
@@ -276,6 +266,7 @@
               <a:rPr lang="en-US"/>
               <a:t>Edit Master text styles</a:t>
             </a:r>
+            <a:endParaRPr lang="en-US"/>
           </a:p>
           <a:p>
             <a:pPr lvl="1"/>
@@ -283,6 +274,7 @@
               <a:rPr lang="en-US"/>
               <a:t>Second level</a:t>
             </a:r>
+            <a:endParaRPr lang="en-US"/>
           </a:p>
           <a:p>
             <a:pPr lvl="2"/>
@@ -290,6 +282,7 @@
               <a:rPr lang="en-US"/>
               <a:t>Third level</a:t>
             </a:r>
+            <a:endParaRPr lang="en-US"/>
           </a:p>
           <a:p>
             <a:pPr lvl="3"/>
@@ -297,6 +290,7 @@
               <a:rPr lang="en-US"/>
               <a:t>Fourth level</a:t>
             </a:r>
+            <a:endParaRPr lang="en-US"/>
           </a:p>
           <a:p>
             <a:pPr lvl="4"/>
@@ -368,18 +362,12 @@
           <a:p>
             <a:fld id="{5354517F-9C19-4E9A-AB98-AA89BD9F1D1D}" type="slidenum">
               <a:rPr lang="en-IN" smtClean="0"/>
-              <a:t>‹#›</a:t>
             </a:fld>
             <a:endParaRPr lang="en-IN"/>
           </a:p>
         </p:txBody>
       </p:sp>
     </p:spTree>
-    <p:extLst>
-      <p:ext uri="{BB962C8B-B14F-4D97-AF65-F5344CB8AC3E}">
-        <p14:creationId xmlns:p14="http://schemas.microsoft.com/office/powerpoint/2010/main" val="2867562135"/>
-      </p:ext>
-    </p:extLst>
   </p:cSld>
   <p:clrMap bg1="lt1" tx1="dk1" bg2="lt2" tx2="dk2" accent1="accent1" accent2="accent2" accent3="accent3" accent4="accent4" accent5="accent5" accent6="accent6" hlink="hlink" folHlink="folHlink"/>
   <p:notesStyle>
@@ -608,7 +596,6 @@
           <a:p>
             <a:fld id="{70C018FE-C8D6-4A9C-A702-41F1E0C1C452}" type="datetimeFigureOut">
               <a:rPr lang="en-IN" smtClean="0"/>
-              <a:t>29/06/18</a:t>
             </a:fld>
             <a:endParaRPr lang="en-IN"/>
           </a:p>
@@ -650,18 +637,12 @@
           <a:p>
             <a:fld id="{B4FB9132-D0D3-4182-9F3A-A2B393A6FF16}" type="slidenum">
               <a:rPr lang="en-IN" smtClean="0"/>
-              <a:t>‹#›</a:t>
             </a:fld>
             <a:endParaRPr lang="en-IN"/>
           </a:p>
         </p:txBody>
       </p:sp>
     </p:spTree>
-    <p:extLst>
-      <p:ext uri="{BB962C8B-B14F-4D97-AF65-F5344CB8AC3E}">
-        <p14:creationId xmlns:p14="http://schemas.microsoft.com/office/powerpoint/2010/main" val="1446675276"/>
-      </p:ext>
-    </p:extLst>
   </p:cSld>
   <p:clrMapOvr>
     <a:masterClrMapping/>
@@ -729,6 +710,7 @@
               <a:rPr lang="en-US"/>
               <a:t>Edit Master text styles</a:t>
             </a:r>
+            <a:endParaRPr lang="en-US"/>
           </a:p>
           <a:p>
             <a:pPr lvl="1"/>
@@ -736,6 +718,7 @@
               <a:rPr lang="en-US"/>
               <a:t>Second level</a:t>
             </a:r>
+            <a:endParaRPr lang="en-US"/>
           </a:p>
           <a:p>
             <a:pPr lvl="2"/>
@@ -743,6 +726,7 @@
               <a:rPr lang="en-US"/>
               <a:t>Third level</a:t>
             </a:r>
+            <a:endParaRPr lang="en-US"/>
           </a:p>
           <a:p>
             <a:pPr lvl="3"/>
@@ -750,6 +734,7 @@
               <a:rPr lang="en-US"/>
               <a:t>Fourth level</a:t>
             </a:r>
+            <a:endParaRPr lang="en-US"/>
           </a:p>
           <a:p>
             <a:pPr lvl="4"/>
@@ -778,7 +763,6 @@
           <a:p>
             <a:fld id="{70C018FE-C8D6-4A9C-A702-41F1E0C1C452}" type="datetimeFigureOut">
               <a:rPr lang="en-IN" smtClean="0"/>
-              <a:t>29/06/18</a:t>
             </a:fld>
             <a:endParaRPr lang="en-IN"/>
           </a:p>
@@ -820,18 +804,12 @@
           <a:p>
             <a:fld id="{B4FB9132-D0D3-4182-9F3A-A2B393A6FF16}" type="slidenum">
               <a:rPr lang="en-IN" smtClean="0"/>
-              <a:t>‹#›</a:t>
             </a:fld>
             <a:endParaRPr lang="en-IN"/>
           </a:p>
         </p:txBody>
       </p:sp>
     </p:spTree>
-    <p:extLst>
-      <p:ext uri="{BB962C8B-B14F-4D97-AF65-F5344CB8AC3E}">
-        <p14:creationId xmlns:p14="http://schemas.microsoft.com/office/powerpoint/2010/main" val="1725356468"/>
-      </p:ext>
-    </p:extLst>
   </p:cSld>
   <p:clrMapOvr>
     <a:masterClrMapping/>
@@ -909,6 +887,7 @@
               <a:rPr lang="en-US"/>
               <a:t>Edit Master text styles</a:t>
             </a:r>
+            <a:endParaRPr lang="en-US"/>
           </a:p>
           <a:p>
             <a:pPr lvl="1"/>
@@ -916,6 +895,7 @@
               <a:rPr lang="en-US"/>
               <a:t>Second level</a:t>
             </a:r>
+            <a:endParaRPr lang="en-US"/>
           </a:p>
           <a:p>
             <a:pPr lvl="2"/>
@@ -923,6 +903,7 @@
               <a:rPr lang="en-US"/>
               <a:t>Third level</a:t>
             </a:r>
+            <a:endParaRPr lang="en-US"/>
           </a:p>
           <a:p>
             <a:pPr lvl="3"/>
@@ -930,6 +911,7 @@
               <a:rPr lang="en-US"/>
               <a:t>Fourth level</a:t>
             </a:r>
+            <a:endParaRPr lang="en-US"/>
           </a:p>
           <a:p>
             <a:pPr lvl="4"/>
@@ -958,7 +940,6 @@
           <a:p>
             <a:fld id="{70C018FE-C8D6-4A9C-A702-41F1E0C1C452}" type="datetimeFigureOut">
               <a:rPr lang="en-IN" smtClean="0"/>
-              <a:t>29/06/18</a:t>
             </a:fld>
             <a:endParaRPr lang="en-IN"/>
           </a:p>
@@ -1000,18 +981,12 @@
           <a:p>
             <a:fld id="{B4FB9132-D0D3-4182-9F3A-A2B393A6FF16}" type="slidenum">
               <a:rPr lang="en-IN" smtClean="0"/>
-              <a:t>‹#›</a:t>
             </a:fld>
             <a:endParaRPr lang="en-IN"/>
           </a:p>
         </p:txBody>
       </p:sp>
     </p:spTree>
-    <p:extLst>
-      <p:ext uri="{BB962C8B-B14F-4D97-AF65-F5344CB8AC3E}">
-        <p14:creationId xmlns:p14="http://schemas.microsoft.com/office/powerpoint/2010/main" val="1927597908"/>
-      </p:ext>
-    </p:extLst>
   </p:cSld>
   <p:clrMapOvr>
     <a:masterClrMapping/>
@@ -1064,6 +1039,7 @@
               <a:rPr lang="en-US" dirty="0"/>
               <a:t>CLICK TO EDIT MASTER TITLE STYLE</a:t>
             </a:r>
+            <a:endParaRPr lang="en-US" dirty="0"/>
           </a:p>
         </p:txBody>
       </p:sp>
@@ -1092,6 +1068,7 @@
               <a:rPr lang="en-US" dirty="0"/>
               <a:t>Edit Master text styles</a:t>
             </a:r>
+            <a:endParaRPr lang="en-US" dirty="0"/>
           </a:p>
           <a:p>
             <a:pPr lvl="1"/>
@@ -1099,6 +1076,7 @@
               <a:rPr lang="en-US" dirty="0"/>
               <a:t>Second level</a:t>
             </a:r>
+            <a:endParaRPr lang="en-US" dirty="0"/>
           </a:p>
           <a:p>
             <a:pPr lvl="2"/>
@@ -1106,6 +1084,7 @@
               <a:rPr lang="en-US" dirty="0"/>
               <a:t>Third level</a:t>
             </a:r>
+            <a:endParaRPr lang="en-US" dirty="0"/>
           </a:p>
           <a:p>
             <a:pPr lvl="3"/>
@@ -1113,6 +1092,7 @@
               <a:rPr lang="en-US" dirty="0"/>
               <a:t>Fourth level</a:t>
             </a:r>
+            <a:endParaRPr lang="en-US" dirty="0"/>
           </a:p>
           <a:p>
             <a:pPr lvl="4"/>
@@ -1120,6 +1100,7 @@
               <a:rPr lang="en-US" dirty="0"/>
               <a:t>Fifth level</a:t>
             </a:r>
+            <a:endParaRPr lang="en-US" dirty="0"/>
           </a:p>
         </p:txBody>
       </p:sp>
@@ -1193,11 +1174,6 @@
         </p:txBody>
       </p:sp>
     </p:spTree>
-    <p:extLst>
-      <p:ext uri="{BB962C8B-B14F-4D97-AF65-F5344CB8AC3E}">
-        <p14:creationId xmlns:p14="http://schemas.microsoft.com/office/powerpoint/2010/main" val="1375848570"/>
-      </p:ext>
-    </p:extLst>
   </p:cSld>
   <p:clrMapOvr>
     <a:masterClrMapping/>
@@ -1370,6 +1346,7 @@
               <a:rPr lang="en-US"/>
               <a:t>Edit Master text styles</a:t>
             </a:r>
+            <a:endParaRPr lang="en-US"/>
           </a:p>
         </p:txBody>
       </p:sp>
@@ -1390,7 +1367,6 @@
           <a:p>
             <a:fld id="{70C018FE-C8D6-4A9C-A702-41F1E0C1C452}" type="datetimeFigureOut">
               <a:rPr lang="en-IN" smtClean="0"/>
-              <a:t>29/06/18</a:t>
             </a:fld>
             <a:endParaRPr lang="en-IN"/>
           </a:p>
@@ -1432,18 +1408,12 @@
           <a:p>
             <a:fld id="{B4FB9132-D0D3-4182-9F3A-A2B393A6FF16}" type="slidenum">
               <a:rPr lang="en-IN" smtClean="0"/>
-              <a:t>‹#›</a:t>
             </a:fld>
             <a:endParaRPr lang="en-IN"/>
           </a:p>
         </p:txBody>
       </p:sp>
     </p:spTree>
-    <p:extLst>
-      <p:ext uri="{BB962C8B-B14F-4D97-AF65-F5344CB8AC3E}">
-        <p14:creationId xmlns:p14="http://schemas.microsoft.com/office/powerpoint/2010/main" val="3420441129"/>
-      </p:ext>
-    </p:extLst>
   </p:cSld>
   <p:clrMapOvr>
     <a:masterClrMapping/>
@@ -1516,6 +1486,7 @@
               <a:rPr lang="en-US"/>
               <a:t>Edit Master text styles</a:t>
             </a:r>
+            <a:endParaRPr lang="en-US"/>
           </a:p>
           <a:p>
             <a:pPr lvl="1"/>
@@ -1523,6 +1494,7 @@
               <a:rPr lang="en-US"/>
               <a:t>Second level</a:t>
             </a:r>
+            <a:endParaRPr lang="en-US"/>
           </a:p>
           <a:p>
             <a:pPr lvl="2"/>
@@ -1530,6 +1502,7 @@
               <a:rPr lang="en-US"/>
               <a:t>Third level</a:t>
             </a:r>
+            <a:endParaRPr lang="en-US"/>
           </a:p>
           <a:p>
             <a:pPr lvl="3"/>
@@ -1537,6 +1510,7 @@
               <a:rPr lang="en-US"/>
               <a:t>Fourth level</a:t>
             </a:r>
+            <a:endParaRPr lang="en-US"/>
           </a:p>
           <a:p>
             <a:pPr lvl="4"/>
@@ -1573,6 +1547,7 @@
               <a:rPr lang="en-US"/>
               <a:t>Edit Master text styles</a:t>
             </a:r>
+            <a:endParaRPr lang="en-US"/>
           </a:p>
           <a:p>
             <a:pPr lvl="1"/>
@@ -1580,6 +1555,7 @@
               <a:rPr lang="en-US"/>
               <a:t>Second level</a:t>
             </a:r>
+            <a:endParaRPr lang="en-US"/>
           </a:p>
           <a:p>
             <a:pPr lvl="2"/>
@@ -1587,6 +1563,7 @@
               <a:rPr lang="en-US"/>
               <a:t>Third level</a:t>
             </a:r>
+            <a:endParaRPr lang="en-US"/>
           </a:p>
           <a:p>
             <a:pPr lvl="3"/>
@@ -1594,6 +1571,7 @@
               <a:rPr lang="en-US"/>
               <a:t>Fourth level</a:t>
             </a:r>
+            <a:endParaRPr lang="en-US"/>
           </a:p>
           <a:p>
             <a:pPr lvl="4"/>
@@ -1622,7 +1600,6 @@
           <a:p>
             <a:fld id="{70C018FE-C8D6-4A9C-A702-41F1E0C1C452}" type="datetimeFigureOut">
               <a:rPr lang="en-IN" smtClean="0"/>
-              <a:t>29/06/18</a:t>
             </a:fld>
             <a:endParaRPr lang="en-IN"/>
           </a:p>
@@ -1664,18 +1641,12 @@
           <a:p>
             <a:fld id="{B4FB9132-D0D3-4182-9F3A-A2B393A6FF16}" type="slidenum">
               <a:rPr lang="en-IN" smtClean="0"/>
-              <a:t>‹#›</a:t>
             </a:fld>
             <a:endParaRPr lang="en-IN"/>
           </a:p>
         </p:txBody>
       </p:sp>
     </p:spTree>
-    <p:extLst>
-      <p:ext uri="{BB962C8B-B14F-4D97-AF65-F5344CB8AC3E}">
-        <p14:creationId xmlns:p14="http://schemas.microsoft.com/office/powerpoint/2010/main" val="3026578523"/>
-      </p:ext>
-    </p:extLst>
   </p:cSld>
   <p:clrMapOvr>
     <a:masterClrMapping/>
@@ -1790,6 +1761,7 @@
               <a:rPr lang="en-US"/>
               <a:t>Edit Master text styles</a:t>
             </a:r>
+            <a:endParaRPr lang="en-US"/>
           </a:p>
         </p:txBody>
       </p:sp>
@@ -1818,6 +1790,7 @@
               <a:rPr lang="en-US"/>
               <a:t>Edit Master text styles</a:t>
             </a:r>
+            <a:endParaRPr lang="en-US"/>
           </a:p>
           <a:p>
             <a:pPr lvl="1"/>
@@ -1825,6 +1798,7 @@
               <a:rPr lang="en-US"/>
               <a:t>Second level</a:t>
             </a:r>
+            <a:endParaRPr lang="en-US"/>
           </a:p>
           <a:p>
             <a:pPr lvl="2"/>
@@ -1832,6 +1806,7 @@
               <a:rPr lang="en-US"/>
               <a:t>Third level</a:t>
             </a:r>
+            <a:endParaRPr lang="en-US"/>
           </a:p>
           <a:p>
             <a:pPr lvl="3"/>
@@ -1839,6 +1814,7 @@
               <a:rPr lang="en-US"/>
               <a:t>Fourth level</a:t>
             </a:r>
+            <a:endParaRPr lang="en-US"/>
           </a:p>
           <a:p>
             <a:pPr lvl="4"/>
@@ -1912,6 +1888,7 @@
               <a:rPr lang="en-US"/>
               <a:t>Edit Master text styles</a:t>
             </a:r>
+            <a:endParaRPr lang="en-US"/>
           </a:p>
         </p:txBody>
       </p:sp>
@@ -1940,6 +1917,7 @@
               <a:rPr lang="en-US"/>
               <a:t>Edit Master text styles</a:t>
             </a:r>
+            <a:endParaRPr lang="en-US"/>
           </a:p>
           <a:p>
             <a:pPr lvl="1"/>
@@ -1947,6 +1925,7 @@
               <a:rPr lang="en-US"/>
               <a:t>Second level</a:t>
             </a:r>
+            <a:endParaRPr lang="en-US"/>
           </a:p>
           <a:p>
             <a:pPr lvl="2"/>
@@ -1954,6 +1933,7 @@
               <a:rPr lang="en-US"/>
               <a:t>Third level</a:t>
             </a:r>
+            <a:endParaRPr lang="en-US"/>
           </a:p>
           <a:p>
             <a:pPr lvl="3"/>
@@ -1961,6 +1941,7 @@
               <a:rPr lang="en-US"/>
               <a:t>Fourth level</a:t>
             </a:r>
+            <a:endParaRPr lang="en-US"/>
           </a:p>
           <a:p>
             <a:pPr lvl="4"/>
@@ -1989,7 +1970,6 @@
           <a:p>
             <a:fld id="{70C018FE-C8D6-4A9C-A702-41F1E0C1C452}" type="datetimeFigureOut">
               <a:rPr lang="en-IN" smtClean="0"/>
-              <a:t>29/06/18</a:t>
             </a:fld>
             <a:endParaRPr lang="en-IN"/>
           </a:p>
@@ -2031,18 +2011,12 @@
           <a:p>
             <a:fld id="{B4FB9132-D0D3-4182-9F3A-A2B393A6FF16}" type="slidenum">
               <a:rPr lang="en-IN" smtClean="0"/>
-              <a:t>‹#›</a:t>
             </a:fld>
             <a:endParaRPr lang="en-IN"/>
           </a:p>
         </p:txBody>
       </p:sp>
     </p:spTree>
-    <p:extLst>
-      <p:ext uri="{BB962C8B-B14F-4D97-AF65-F5344CB8AC3E}">
-        <p14:creationId xmlns:p14="http://schemas.microsoft.com/office/powerpoint/2010/main" val="3845587079"/>
-      </p:ext>
-    </p:extLst>
   </p:cSld>
   <p:clrMapOvr>
     <a:masterClrMapping/>
@@ -2107,7 +2081,6 @@
           <a:p>
             <a:fld id="{70C018FE-C8D6-4A9C-A702-41F1E0C1C452}" type="datetimeFigureOut">
               <a:rPr lang="en-IN" smtClean="0"/>
-              <a:t>29/06/18</a:t>
             </a:fld>
             <a:endParaRPr lang="en-IN"/>
           </a:p>
@@ -2149,18 +2122,12 @@
           <a:p>
             <a:fld id="{B4FB9132-D0D3-4182-9F3A-A2B393A6FF16}" type="slidenum">
               <a:rPr lang="en-IN" smtClean="0"/>
-              <a:t>‹#›</a:t>
             </a:fld>
             <a:endParaRPr lang="en-IN"/>
           </a:p>
         </p:txBody>
       </p:sp>
     </p:spTree>
-    <p:extLst>
-      <p:ext uri="{BB962C8B-B14F-4D97-AF65-F5344CB8AC3E}">
-        <p14:creationId xmlns:p14="http://schemas.microsoft.com/office/powerpoint/2010/main" val="2173476234"/>
-      </p:ext>
-    </p:extLst>
   </p:cSld>
   <p:clrMapOvr>
     <a:masterClrMapping/>
@@ -2202,7 +2169,6 @@
           <a:p>
             <a:fld id="{70C018FE-C8D6-4A9C-A702-41F1E0C1C452}" type="datetimeFigureOut">
               <a:rPr lang="en-IN" smtClean="0"/>
-              <a:t>29/06/18</a:t>
             </a:fld>
             <a:endParaRPr lang="en-IN"/>
           </a:p>
@@ -2244,18 +2210,12 @@
           <a:p>
             <a:fld id="{B4FB9132-D0D3-4182-9F3A-A2B393A6FF16}" type="slidenum">
               <a:rPr lang="en-IN" smtClean="0"/>
-              <a:t>‹#›</a:t>
             </a:fld>
             <a:endParaRPr lang="en-IN"/>
           </a:p>
         </p:txBody>
       </p:sp>
     </p:spTree>
-    <p:extLst>
-      <p:ext uri="{BB962C8B-B14F-4D97-AF65-F5344CB8AC3E}">
-        <p14:creationId xmlns:p14="http://schemas.microsoft.com/office/powerpoint/2010/main" val="1279458004"/>
-      </p:ext>
-    </p:extLst>
   </p:cSld>
   <p:clrMapOvr>
     <a:masterClrMapping/>
@@ -2365,6 +2325,7 @@
               <a:rPr lang="en-US" dirty="0"/>
               <a:t>Edit Master text styles</a:t>
             </a:r>
+            <a:endParaRPr lang="en-US" dirty="0"/>
           </a:p>
           <a:p>
             <a:pPr lvl="1"/>
@@ -2372,6 +2333,7 @@
               <a:rPr lang="en-US" dirty="0"/>
               <a:t>Second level</a:t>
             </a:r>
+            <a:endParaRPr lang="en-US" dirty="0"/>
           </a:p>
           <a:p>
             <a:pPr lvl="2"/>
@@ -2379,6 +2341,7 @@
               <a:rPr lang="en-US" dirty="0"/>
               <a:t>Third level</a:t>
             </a:r>
+            <a:endParaRPr lang="en-US" dirty="0"/>
           </a:p>
           <a:p>
             <a:pPr lvl="3"/>
@@ -2386,6 +2349,7 @@
               <a:rPr lang="en-US" dirty="0"/>
               <a:t>Fourth level</a:t>
             </a:r>
+            <a:endParaRPr lang="en-US" dirty="0"/>
           </a:p>
           <a:p>
             <a:pPr lvl="4"/>
@@ -2393,6 +2357,7 @@
               <a:rPr lang="en-US" dirty="0"/>
               <a:t>Fifth level</a:t>
             </a:r>
+            <a:endParaRPr lang="en-US" dirty="0"/>
           </a:p>
         </p:txBody>
       </p:sp>
@@ -2458,6 +2423,7 @@
               <a:rPr lang="en-US"/>
               <a:t>Edit Master text styles</a:t>
             </a:r>
+            <a:endParaRPr lang="en-US"/>
           </a:p>
         </p:txBody>
       </p:sp>
@@ -2478,7 +2444,6 @@
           <a:p>
             <a:fld id="{70C018FE-C8D6-4A9C-A702-41F1E0C1C452}" type="datetimeFigureOut">
               <a:rPr lang="en-IN" smtClean="0"/>
-              <a:t>29/06/18</a:t>
             </a:fld>
             <a:endParaRPr lang="en-IN"/>
           </a:p>
@@ -2520,18 +2485,12 @@
           <a:p>
             <a:fld id="{B4FB9132-D0D3-4182-9F3A-A2B393A6FF16}" type="slidenum">
               <a:rPr lang="en-IN" smtClean="0"/>
-              <a:t>‹#›</a:t>
             </a:fld>
             <a:endParaRPr lang="en-IN"/>
           </a:p>
         </p:txBody>
       </p:sp>
     </p:spTree>
-    <p:extLst>
-      <p:ext uri="{BB962C8B-B14F-4D97-AF65-F5344CB8AC3E}">
-        <p14:creationId xmlns:p14="http://schemas.microsoft.com/office/powerpoint/2010/main" val="3104558352"/>
-      </p:ext>
-    </p:extLst>
   </p:cSld>
   <p:clrMapOvr>
     <a:masterClrMapping/>
@@ -2715,6 +2674,7 @@
               <a:rPr lang="en-US"/>
               <a:t>Edit Master text styles</a:t>
             </a:r>
+            <a:endParaRPr lang="en-US"/>
           </a:p>
         </p:txBody>
       </p:sp>
@@ -2735,7 +2695,6 @@
           <a:p>
             <a:fld id="{70C018FE-C8D6-4A9C-A702-41F1E0C1C452}" type="datetimeFigureOut">
               <a:rPr lang="en-IN" smtClean="0"/>
-              <a:t>29/06/18</a:t>
             </a:fld>
             <a:endParaRPr lang="en-IN"/>
           </a:p>
@@ -2777,18 +2736,12 @@
           <a:p>
             <a:fld id="{B4FB9132-D0D3-4182-9F3A-A2B393A6FF16}" type="slidenum">
               <a:rPr lang="en-IN" smtClean="0"/>
-              <a:t>‹#›</a:t>
             </a:fld>
             <a:endParaRPr lang="en-IN"/>
           </a:p>
         </p:txBody>
       </p:sp>
     </p:spTree>
-    <p:extLst>
-      <p:ext uri="{BB962C8B-B14F-4D97-AF65-F5344CB8AC3E}">
-        <p14:creationId xmlns:p14="http://schemas.microsoft.com/office/powerpoint/2010/main" val="4086360930"/>
-      </p:ext>
-    </p:extLst>
   </p:cSld>
   <p:clrMapOvr>
     <a:masterClrMapping/>
@@ -2847,6 +2800,7 @@
               <a:rPr lang="en-US" dirty="0"/>
               <a:t>CLICK TO EDIT</a:t>
             </a:r>
+            <a:endParaRPr lang="en-US" dirty="0"/>
           </a:p>
         </p:txBody>
       </p:sp>
@@ -2880,6 +2834,7 @@
               <a:rPr lang="en-US" dirty="0"/>
               <a:t>Edit Master text styles</a:t>
             </a:r>
+            <a:endParaRPr lang="en-US" dirty="0"/>
           </a:p>
           <a:p>
             <a:pPr lvl="1"/>
@@ -2887,6 +2842,7 @@
               <a:rPr lang="en-US" dirty="0"/>
               <a:t>Second level</a:t>
             </a:r>
+            <a:endParaRPr lang="en-US" dirty="0"/>
           </a:p>
           <a:p>
             <a:pPr lvl="2"/>
@@ -2894,6 +2850,7 @@
               <a:rPr lang="en-US" dirty="0"/>
               <a:t>Third level</a:t>
             </a:r>
+            <a:endParaRPr lang="en-US" dirty="0"/>
           </a:p>
           <a:p>
             <a:pPr lvl="3"/>
@@ -2901,6 +2858,7 @@
               <a:rPr lang="en-US" dirty="0"/>
               <a:t>Fourth level</a:t>
             </a:r>
+            <a:endParaRPr lang="en-US" dirty="0"/>
           </a:p>
           <a:p>
             <a:pPr lvl="4"/>
@@ -2908,6 +2866,7 @@
               <a:rPr lang="en-US" dirty="0"/>
               <a:t>Fifth level</a:t>
             </a:r>
+            <a:endParaRPr lang="en-US" dirty="0"/>
           </a:p>
         </p:txBody>
       </p:sp>
@@ -2946,7 +2905,6 @@
           <a:p>
             <a:fld id="{70C018FE-C8D6-4A9C-A702-41F1E0C1C452}" type="datetimeFigureOut">
               <a:rPr lang="en-IN" smtClean="0"/>
-              <a:t>29/06/18</a:t>
             </a:fld>
             <a:endParaRPr lang="en-IN" dirty="0"/>
           </a:p>
@@ -2989,6 +2947,7 @@
               <a:rPr lang="en-IN" dirty="0"/>
               <a:t>Investment Case Study</a:t>
             </a:r>
+            <a:endParaRPr lang="en-IN" dirty="0"/>
           </a:p>
         </p:txBody>
       </p:sp>
@@ -3029,6 +2988,7 @@
               <a:rPr lang="en-IN" dirty="0"/>
               <a:t>1</a:t>
             </a:r>
+            <a:endParaRPr lang="en-IN" dirty="0"/>
           </a:p>
         </p:txBody>
       </p:sp>
@@ -3041,7 +3001,7 @@
           <p:nvPr userDrawn="1"/>
         </p:nvPicPr>
         <p:blipFill>
-          <a:blip r:embed="rId13">
+          <a:blip r:embed="rId12">
             <a:extLst>
               <a:ext uri="{28A0092B-C50C-407E-A947-70E740481C1C}">
                 <a14:useLocalDpi xmlns:a14="http://schemas.microsoft.com/office/drawing/2010/main" val="0"/>
@@ -3071,11 +3031,11 @@
           <p:nvPr userDrawn="1"/>
         </p:nvPicPr>
         <p:blipFill>
-          <a:blip r:embed="rId14">
+          <a:blip r:embed="rId13">
             <a:extLst>
               <a:ext uri="{BEBA8EAE-BF5A-486C-A8C5-ECC9F3942E4B}">
                 <a14:imgProps xmlns:a14="http://schemas.microsoft.com/office/drawing/2010/main">
-                  <a14:imgLayer r:embed="rId15">
+                  <a14:imgLayer r:embed="rId14">
                     <a14:imgEffect>
                       <a14:backgroundRemoval t="535" b="100000" l="0" r="100000">
                         <a14:foregroundMark x1="19244" y1="37433" x2="19244" y2="37433"/>
@@ -3116,25 +3076,20 @@
         </p:spPr>
       </p:pic>
     </p:spTree>
-    <p:extLst>
-      <p:ext uri="{BB962C8B-B14F-4D97-AF65-F5344CB8AC3E}">
-        <p14:creationId xmlns:p14="http://schemas.microsoft.com/office/powerpoint/2010/main" val="3153534456"/>
-      </p:ext>
-    </p:extLst>
   </p:cSld>
   <p:clrMap bg1="lt1" tx1="dk1" bg2="lt2" tx2="dk2" accent1="accent1" accent2="accent2" accent3="accent3" accent4="accent4" accent5="accent5" accent6="accent6" hlink="hlink" folHlink="folHlink"/>
   <p:sldLayoutIdLst>
-    <p:sldLayoutId id="2147483661" r:id="rId1"/>
-    <p:sldLayoutId id="2147483662" r:id="rId2"/>
-    <p:sldLayoutId id="2147483663" r:id="rId3"/>
-    <p:sldLayoutId id="2147483664" r:id="rId4"/>
-    <p:sldLayoutId id="2147483665" r:id="rId5"/>
-    <p:sldLayoutId id="2147483666" r:id="rId6"/>
-    <p:sldLayoutId id="2147483667" r:id="rId7"/>
-    <p:sldLayoutId id="2147483668" r:id="rId8"/>
-    <p:sldLayoutId id="2147483669" r:id="rId9"/>
-    <p:sldLayoutId id="2147483670" r:id="rId10"/>
-    <p:sldLayoutId id="2147483671" r:id="rId11"/>
+    <p:sldLayoutId id="2147483649" r:id="rId1"/>
+    <p:sldLayoutId id="2147483650" r:id="rId2"/>
+    <p:sldLayoutId id="2147483651" r:id="rId3"/>
+    <p:sldLayoutId id="2147483652" r:id="rId4"/>
+    <p:sldLayoutId id="2147483653" r:id="rId5"/>
+    <p:sldLayoutId id="2147483654" r:id="rId6"/>
+    <p:sldLayoutId id="2147483655" r:id="rId7"/>
+    <p:sldLayoutId id="2147483656" r:id="rId8"/>
+    <p:sldLayoutId id="2147483657" r:id="rId9"/>
+    <p:sldLayoutId id="2147483658" r:id="rId10"/>
+    <p:sldLayoutId id="2147483659" r:id="rId11"/>
   </p:sldLayoutIdLst>
   <p:txStyles>
     <p:titleStyle>
@@ -3459,19 +3414,35 @@
           <a:lstStyle/>
           <a:p>
             <a:r>
-              <a:rPr lang="en-IN" sz="2800" dirty="0"/>
+              <a:rPr lang="en-IN" sz="2800" dirty="0">
+                <a:latin typeface="+mj-lt"/>
+                <a:cs typeface="+mj-lt"/>
+              </a:rPr>
               <a:t>INVESTMENT CASE STUDY </a:t>
             </a:r>
             <a:br>
-              <a:rPr lang="en-IN" sz="2800" dirty="0"/>
+              <a:rPr lang="en-IN" sz="2800" dirty="0">
+                <a:latin typeface="+mj-lt"/>
+                <a:cs typeface="+mj-lt"/>
+              </a:rPr>
             </a:br>
             <a:br>
-              <a:rPr lang="en-IN" sz="2800" dirty="0"/>
+              <a:rPr lang="en-IN" sz="2800" dirty="0">
+                <a:latin typeface="+mj-lt"/>
+                <a:cs typeface="+mj-lt"/>
+              </a:rPr>
             </a:br>
             <a:r>
-              <a:rPr lang="en-IN" sz="2800" dirty="0"/>
+              <a:rPr lang="en-IN" sz="2800" dirty="0">
+                <a:latin typeface="+mj-lt"/>
+                <a:cs typeface="+mj-lt"/>
+              </a:rPr>
               <a:t>SUBMISSION </a:t>
             </a:r>
+            <a:endParaRPr lang="en-IN" sz="2800" dirty="0">
+              <a:latin typeface="+mj-lt"/>
+              <a:cs typeface="+mj-lt"/>
+            </a:endParaRPr>
           </a:p>
         </p:txBody>
       </p:sp>
@@ -3499,10 +3470,16 @@
           <a:p>
             <a:pPr algn="l"/>
             <a:r>
-              <a:rPr lang="en-IN" sz="1200" dirty="0"/>
+              <a:rPr lang="en-IN" sz="1200" dirty="0">
+                <a:latin typeface="+mj-lt"/>
+                <a:cs typeface="+mj-lt"/>
+              </a:rPr>
               <a:t> </a:t>
             </a:r>
-            <a:endParaRPr lang="en-IN" sz="1800" dirty="0"/>
+            <a:endParaRPr lang="en-IN" sz="1800" dirty="0">
+              <a:latin typeface="+mj-lt"/>
+              <a:cs typeface="+mj-lt"/>
+            </a:endParaRPr>
           </a:p>
           <a:p>
             <a:pPr marL="457200" indent="-457200" algn="l">
@@ -3510,103 +3487,52 @@
               <a:buAutoNum type="arabicPeriod"/>
             </a:pPr>
             <a:r>
-              <a:rPr lang="en-IN" sz="1800" dirty="0"/>
-              <a:t> Member name</a:t>
-            </a:r>
+              <a:rPr lang="en-IN" sz="1800" dirty="0">
+                <a:latin typeface="+mj-lt"/>
+                <a:cs typeface="+mj-lt"/>
+              </a:rPr>
+              <a:t> VAMSI KRISHNA GP</a:t>
+            </a:r>
+            <a:endParaRPr lang="en-IN" sz="1800" dirty="0">
+              <a:latin typeface="+mj-lt"/>
+              <a:cs typeface="+mj-lt"/>
+            </a:endParaRPr>
+          </a:p>
+          <a:p>
+            <a:pPr algn="l">
+              <a:buFont typeface="+mj-lt"/>
+            </a:pPr>
+            <a:r>
+              <a:rPr lang="en-IN" sz="1800" dirty="0">
+                <a:latin typeface="+mj-lt"/>
+                <a:cs typeface="+mj-lt"/>
+              </a:rPr>
+              <a:t>vkrishna84@gmail.com</a:t>
+            </a:r>
+            <a:endParaRPr lang="en-IN" sz="1800" dirty="0">
+              <a:latin typeface="+mj-lt"/>
+              <a:cs typeface="+mj-lt"/>
+            </a:endParaRPr>
+          </a:p>
+          <a:p>
+            <a:pPr algn="l">
+              <a:buFont typeface="+mj-lt"/>
+            </a:pPr>
+            <a:r>
+              <a:rPr lang="en-IN" sz="1800" dirty="0">
+                <a:latin typeface="+mj-lt"/>
+                <a:cs typeface="+mj-lt"/>
+              </a:rPr>
+              <a:t>ID - APFE18f00392</a:t>
+            </a:r>
+            <a:endParaRPr lang="en-IN" sz="1800" dirty="0">
+              <a:latin typeface="+mj-lt"/>
+              <a:cs typeface="+mj-lt"/>
+            </a:endParaRPr>
           </a:p>
         </p:txBody>
       </p:sp>
     </p:spTree>
-    <p:extLst>
-      <p:ext uri="{BB962C8B-B14F-4D97-AF65-F5344CB8AC3E}">
-        <p14:creationId xmlns:p14="http://schemas.microsoft.com/office/powerpoint/2010/main" val="3414739867"/>
-      </p:ext>
-    </p:extLst>
-  </p:cSld>
-  <p:clrMapOvr>
-    <a:masterClrMapping/>
-  </p:clrMapOvr>
-</p:sld>
-</file>
-
-<file path=ppt/slides/slide10.xml><?xml version="1.0" encoding="utf-8"?>
-<p:sld xmlns:a="http://schemas.openxmlformats.org/drawingml/2006/main" xmlns:r="http://schemas.openxmlformats.org/officeDocument/2006/relationships" xmlns:p="http://schemas.openxmlformats.org/presentationml/2006/main">
-  <p:cSld>
-    <p:spTree>
-      <p:nvGrpSpPr>
-        <p:cNvPr id="1" name=""/>
-        <p:cNvGrpSpPr/>
-        <p:nvPr/>
-      </p:nvGrpSpPr>
-      <p:grpSpPr>
-        <a:xfrm>
-          <a:off x="0" y="0"/>
-          <a:ext cx="0" cy="0"/>
-          <a:chOff x="0" y="0"/>
-          <a:chExt cx="0" cy="0"/>
-        </a:xfrm>
-      </p:grpSpPr>
-      <p:sp>
-        <p:nvSpPr>
-          <p:cNvPr id="3" name="Content Placeholder 2"/>
-          <p:cNvSpPr>
-            <a:spLocks noGrp="1"/>
-          </p:cNvSpPr>
-          <p:nvPr>
-            <p:ph idx="1"/>
-          </p:nvPr>
-        </p:nvSpPr>
-        <p:spPr/>
-        <p:txBody>
-          <a:bodyPr>
-            <a:normAutofit/>
-          </a:bodyPr>
-          <a:lstStyle/>
-          <a:p>
-            <a:pPr marL="0" indent="0">
-              <a:buNone/>
-            </a:pPr>
-            <a:endParaRPr lang="en-IN" sz="1400" dirty="0"/>
-          </a:p>
-        </p:txBody>
-      </p:sp>
-      <p:sp>
-        <p:nvSpPr>
-          <p:cNvPr id="5" name="Title 1"/>
-          <p:cNvSpPr>
-            <a:spLocks noGrp="1"/>
-          </p:cNvSpPr>
-          <p:nvPr>
-            <p:ph type="title"/>
-          </p:nvPr>
-        </p:nvSpPr>
-        <p:spPr>
-          <a:xfrm>
-            <a:off x="1136469" y="640080"/>
-            <a:ext cx="9313817" cy="856138"/>
-          </a:xfrm>
-        </p:spPr>
-        <p:txBody>
-          <a:bodyPr/>
-          <a:lstStyle/>
-          <a:p>
-            <a:r>
-              <a:rPr lang="en-IN" b="1" dirty="0"/>
-              <a:t> </a:t>
-            </a:r>
-            <a:r>
-              <a:rPr lang="en-IN" sz="2800" dirty="0"/>
-              <a:t>&lt;Conclusions&gt;</a:t>
-            </a:r>
-          </a:p>
-        </p:txBody>
-      </p:sp>
-    </p:spTree>
-    <p:extLst>
-      <p:ext uri="{BB962C8B-B14F-4D97-AF65-F5344CB8AC3E}">
-        <p14:creationId xmlns:p14="http://schemas.microsoft.com/office/powerpoint/2010/main" val="1399706687"/>
-      </p:ext>
-    </p:extLst>
   </p:cSld>
   <p:clrMapOvr>
     <a:masterClrMapping/>
@@ -3651,7 +3577,81 @@
             <a:pPr marL="0" indent="0">
               <a:buNone/>
             </a:pPr>
-            <a:endParaRPr lang="en-IN" sz="1400" dirty="0"/>
+            <a:r>
+              <a:rPr lang="en-IN" sz="1800" dirty="0">
+                <a:latin typeface="+mn-lt"/>
+                <a:cs typeface="+mn-lt"/>
+              </a:rPr>
+              <a:t>Spark Funds wants to make investments in a few companies. </a:t>
+            </a:r>
+            <a:endParaRPr lang="en-IN" sz="1800" dirty="0">
+              <a:latin typeface="+mn-lt"/>
+              <a:cs typeface="+mn-lt"/>
+            </a:endParaRPr>
+          </a:p>
+          <a:p>
+            <a:pPr marL="0" indent="0">
+              <a:buNone/>
+            </a:pPr>
+            <a:r>
+              <a:rPr lang="en-IN" sz="1800" dirty="0">
+                <a:latin typeface="+mn-lt"/>
+                <a:cs typeface="+mn-lt"/>
+              </a:rPr>
+              <a:t>The CEO of Spark Funds wants to understand the global trends in investments so that she can take the investment decisions effectively.</a:t>
+            </a:r>
+            <a:endParaRPr lang="en-IN" sz="1800" dirty="0">
+              <a:latin typeface="+mn-lt"/>
+              <a:cs typeface="+mn-lt"/>
+            </a:endParaRPr>
+          </a:p>
+          <a:p>
+            <a:endParaRPr lang="en-IN" sz="1800" dirty="0">
+              <a:latin typeface="+mn-lt"/>
+              <a:cs typeface="+mn-lt"/>
+            </a:endParaRPr>
+          </a:p>
+          <a:p>
+            <a:pPr marL="0" indent="0">
+              <a:buNone/>
+            </a:pPr>
+            <a:r>
+              <a:rPr lang="en-IN" sz="1800" dirty="0">
+                <a:latin typeface="+mn-lt"/>
+                <a:cs typeface="+mn-lt"/>
+              </a:rPr>
+              <a:t>Spark Funds has two minor constraints for investments:</a:t>
+            </a:r>
+            <a:endParaRPr lang="en-IN" sz="1800" dirty="0">
+              <a:latin typeface="+mn-lt"/>
+              <a:cs typeface="+mn-lt"/>
+            </a:endParaRPr>
+          </a:p>
+          <a:p>
+            <a:r>
+              <a:rPr lang="en-IN" sz="1800" dirty="0">
+                <a:latin typeface="+mn-lt"/>
+                <a:cs typeface="+mn-lt"/>
+              </a:rPr>
+              <a:t>It wants to invest between 5 to 15 million USD per round of investment</a:t>
+            </a:r>
+            <a:endParaRPr lang="en-IN" sz="1800" dirty="0">
+              <a:latin typeface="+mn-lt"/>
+              <a:cs typeface="+mn-lt"/>
+            </a:endParaRPr>
+          </a:p>
+          <a:p>
+            <a:r>
+              <a:rPr lang="en-IN" sz="1800" dirty="0">
+                <a:latin typeface="+mn-lt"/>
+                <a:cs typeface="+mn-lt"/>
+              </a:rPr>
+              <a:t>It wants to invest only in English-speaking countries because of the ease of communication with the companies it would invest in</a:t>
+            </a:r>
+            <a:endParaRPr lang="en-IN" sz="1800" dirty="0">
+              <a:latin typeface="+mn-lt"/>
+              <a:cs typeface="+mn-lt"/>
+            </a:endParaRPr>
           </a:p>
         </p:txBody>
       </p:sp>
@@ -3667,31 +3667,31 @@
         </p:nvSpPr>
         <p:spPr>
           <a:xfrm>
-            <a:off x="1136469" y="640080"/>
-            <a:ext cx="9313817" cy="856138"/>
+            <a:off x="1136650" y="640080"/>
+            <a:ext cx="10212705" cy="855980"/>
           </a:xfrm>
         </p:spPr>
         <p:txBody>
-          <a:bodyPr/>
+          <a:bodyPr>
+            <a:normAutofit/>
+          </a:bodyPr>
           <a:lstStyle/>
           <a:p>
             <a:r>
-              <a:rPr lang="en-IN" b="1" dirty="0"/>
-              <a:t> </a:t>
-            </a:r>
-            <a:r>
-              <a:rPr lang="en-IN" sz="2800" dirty="0"/>
-              <a:t>&lt;Abstract&gt;</a:t>
-            </a:r>
+              <a:rPr lang="en-IN" b="1" dirty="0">
+                <a:latin typeface="+mj-lt"/>
+                <a:cs typeface="+mj-lt"/>
+              </a:rPr>
+              <a:t>Spark Fund - Investment Analysis and Suggestion</a:t>
+            </a:r>
+            <a:endParaRPr lang="en-IN" sz="2800" dirty="0">
+              <a:latin typeface="+mj-lt"/>
+              <a:cs typeface="+mj-lt"/>
+            </a:endParaRPr>
           </a:p>
         </p:txBody>
       </p:sp>
     </p:spTree>
-    <p:extLst>
-      <p:ext uri="{BB962C8B-B14F-4D97-AF65-F5344CB8AC3E}">
-        <p14:creationId xmlns:p14="http://schemas.microsoft.com/office/powerpoint/2010/main" val="3869754742"/>
-      </p:ext>
-    </p:extLst>
   </p:cSld>
   <p:clrMapOvr>
     <a:masterClrMapping/>
@@ -3733,13 +3733,145 @@
           </a:bodyPr>
           <a:lstStyle/>
           <a:p>
-            <a:pPr marL="0" indent="0">
+            <a:r>
+              <a:rPr lang="en-IN" dirty="0">
+                <a:latin typeface="+mn-lt"/>
+                <a:cs typeface="+mn-lt"/>
+              </a:rPr>
+              <a:t>Input</a:t>
+            </a:r>
+            <a:endParaRPr lang="en-IN" dirty="0">
+              <a:latin typeface="+mn-lt"/>
+              <a:cs typeface="+mn-lt"/>
+            </a:endParaRPr>
+          </a:p>
+          <a:p>
+            <a:pPr lvl="1"/>
+            <a:r>
+              <a:rPr lang="en-IN" sz="2000" dirty="0">
+                <a:latin typeface="+mn-lt"/>
+                <a:cs typeface="+mn-lt"/>
+              </a:rPr>
+              <a:t>Companies.txt</a:t>
+            </a:r>
+            <a:endParaRPr lang="en-IN" sz="2000" dirty="0">
+              <a:latin typeface="+mn-lt"/>
+              <a:cs typeface="+mn-lt"/>
+            </a:endParaRPr>
+          </a:p>
+          <a:p>
+            <a:pPr lvl="2"/>
+            <a:r>
+              <a:rPr lang="en-IN" sz="1800" dirty="0">
+                <a:latin typeface="+mn-lt"/>
+                <a:cs typeface="+mn-lt"/>
+              </a:rPr>
+              <a:t>Has the details of each company such as Name, CompanyURL, Location, Unique Link for each company</a:t>
+            </a:r>
+            <a:endParaRPr lang="en-IN" sz="1800" dirty="0">
+              <a:latin typeface="+mn-lt"/>
+              <a:cs typeface="+mn-lt"/>
+            </a:endParaRPr>
+          </a:p>
+          <a:p>
+            <a:pPr lvl="2"/>
+            <a:r>
+              <a:rPr lang="en-IN" sz="1800" dirty="0">
+                <a:latin typeface="+mn-lt"/>
+                <a:cs typeface="+mn-lt"/>
+              </a:rPr>
+              <a:t>From the data we can identify permalink is the index/unique identifier for the dataframe</a:t>
+            </a:r>
+            <a:endParaRPr lang="en-IN" sz="1800" dirty="0">
+              <a:latin typeface="+mn-lt"/>
+              <a:cs typeface="+mn-lt"/>
+            </a:endParaRPr>
+          </a:p>
+          <a:p>
+            <a:pPr lvl="1"/>
+            <a:r>
+              <a:rPr lang="en-IN" sz="2000" dirty="0">
+                <a:latin typeface="+mn-lt"/>
+                <a:cs typeface="+mn-lt"/>
+              </a:rPr>
+              <a:t>Rounds2.csv</a:t>
+            </a:r>
+            <a:endParaRPr lang="en-IN" sz="2000" dirty="0">
+              <a:latin typeface="+mn-lt"/>
+              <a:cs typeface="+mn-lt"/>
+            </a:endParaRPr>
+          </a:p>
+          <a:p>
+            <a:pPr lvl="2"/>
+            <a:r>
+              <a:rPr lang="en-IN" sz="1800" dirty="0">
+                <a:latin typeface="+mn-lt"/>
+                <a:cs typeface="+mn-lt"/>
+              </a:rPr>
+              <a:t>Has the details of funding for each company such as funding_type, funding_amount, company_permalink, raised_usd_amount, category</a:t>
+            </a:r>
+            <a:endParaRPr lang="en-IN" sz="1800" dirty="0">
+              <a:latin typeface="+mn-lt"/>
+              <a:cs typeface="+mn-lt"/>
+            </a:endParaRPr>
+          </a:p>
+          <a:p>
+            <a:pPr lvl="2"/>
+            <a:r>
+              <a:rPr lang="en-IN" sz="1800" dirty="0">
+                <a:latin typeface="+mn-lt"/>
+                <a:cs typeface="+mn-lt"/>
+              </a:rPr>
+              <a:t>From the data we can idenify company_permalink is the unique identifier for the dataframe</a:t>
+            </a:r>
+            <a:endParaRPr lang="en-IN" sz="1800" dirty="0">
+              <a:latin typeface="+mn-lt"/>
+              <a:cs typeface="+mn-lt"/>
+            </a:endParaRPr>
+          </a:p>
+          <a:p>
+            <a:pPr lvl="1"/>
+            <a:r>
+              <a:rPr lang="en-IN" sz="2000" dirty="0">
+                <a:latin typeface="+mn-lt"/>
+                <a:cs typeface="+mn-lt"/>
+              </a:rPr>
+              <a:t>Mapping.csv</a:t>
+            </a:r>
+            <a:endParaRPr lang="en-IN" sz="2000" dirty="0">
+              <a:latin typeface="+mn-lt"/>
+              <a:cs typeface="+mn-lt"/>
+            </a:endParaRPr>
+          </a:p>
+          <a:p>
+            <a:pPr lvl="2"/>
+            <a:r>
+              <a:rPr lang="en-IN" sz="1800" dirty="0">
+                <a:latin typeface="+mn-lt"/>
+                <a:cs typeface="+mn-lt"/>
+              </a:rPr>
+              <a:t>There are several categories that companies fall into during investment. Mapping provides a way to further group all the sub-categories for easier analysis.</a:t>
+            </a:r>
+            <a:endParaRPr lang="en-IN" sz="1800" dirty="0">
+              <a:latin typeface="+mn-lt"/>
+              <a:cs typeface="+mn-lt"/>
+            </a:endParaRPr>
+          </a:p>
+          <a:p>
+            <a:pPr marL="914400" lvl="2" indent="0">
               <a:buNone/>
             </a:pPr>
-            <a:r>
-              <a:rPr lang="en-IN" sz="1800" dirty="0"/>
-              <a:t>Use flow chart</a:t>
-            </a:r>
+            <a:endParaRPr lang="en-IN" sz="1800" dirty="0">
+              <a:latin typeface="+mn-lt"/>
+              <a:cs typeface="+mn-lt"/>
+            </a:endParaRPr>
+          </a:p>
+          <a:p>
+            <a:pPr lvl="2"/>
+            <a:endParaRPr lang="en-IN" sz="1800" dirty="0">
+              <a:latin typeface="+mn-lt"/>
+              <a:cs typeface="+mn-lt"/>
+            </a:endParaRPr>
           </a:p>
         </p:txBody>
       </p:sp>
@@ -3764,22 +3896,20 @@
           <a:lstStyle/>
           <a:p>
             <a:r>
-              <a:rPr lang="en-IN" b="1" dirty="0"/>
-              <a:t> </a:t>
-            </a:r>
-            <a:r>
-              <a:rPr lang="en-IN" sz="2800" dirty="0"/>
-              <a:t>&lt;Problem solving methodology&gt;</a:t>
-            </a:r>
+              <a:rPr lang="en-IN" b="1" dirty="0">
+                <a:latin typeface="+mj-lt"/>
+                <a:cs typeface="+mj-lt"/>
+              </a:rPr>
+              <a:t> Data Analysis</a:t>
+            </a:r>
+            <a:endParaRPr lang="en-IN" sz="2800" dirty="0">
+              <a:latin typeface="+mj-lt"/>
+              <a:cs typeface="+mj-lt"/>
+            </a:endParaRPr>
           </a:p>
         </p:txBody>
       </p:sp>
     </p:spTree>
-    <p:extLst>
-      <p:ext uri="{BB962C8B-B14F-4D97-AF65-F5344CB8AC3E}">
-        <p14:creationId xmlns:p14="http://schemas.microsoft.com/office/powerpoint/2010/main" val="2118598445"/>
-      </p:ext>
-    </p:extLst>
   </p:cSld>
   <p:clrMapOvr>
     <a:masterClrMapping/>
@@ -3804,62 +3934,2074 @@
           <a:chExt cx="0" cy="0"/>
         </a:xfrm>
       </p:grpSpPr>
-      <p:sp>
-        <p:nvSpPr>
-          <p:cNvPr id="2" name="Title 1"/>
-          <p:cNvSpPr>
-            <a:spLocks noGrp="1"/>
-          </p:cNvSpPr>
-          <p:nvPr>
-            <p:ph type="title"/>
-          </p:nvPr>
-        </p:nvSpPr>
-        <p:spPr/>
-        <p:txBody>
-          <a:bodyPr/>
-          <a:lstStyle/>
-          <a:p>
-            <a:r>
-              <a:rPr lang="en-IN" b="1" dirty="0"/>
-              <a:t> </a:t>
-            </a:r>
-            <a:r>
-              <a:rPr lang="en-IN" sz="2800" dirty="0"/>
-              <a:t>&lt;Analysis&gt;</a:t>
-            </a:r>
-          </a:p>
-        </p:txBody>
-      </p:sp>
-      <p:sp>
-        <p:nvSpPr>
-          <p:cNvPr id="3" name="Content Placeholder 2"/>
-          <p:cNvSpPr>
-            <a:spLocks noGrp="1"/>
-          </p:cNvSpPr>
-          <p:nvPr>
-            <p:ph idx="1"/>
-          </p:nvPr>
-        </p:nvSpPr>
-        <p:spPr/>
-        <p:txBody>
-          <a:bodyPr>
-            <a:normAutofit/>
-          </a:bodyPr>
-          <a:lstStyle/>
-          <a:p>
-            <a:pPr marL="0" indent="0">
-              <a:buNone/>
-            </a:pPr>
-            <a:endParaRPr lang="en-IN" sz="1400" dirty="0"/>
-          </a:p>
-        </p:txBody>
-      </p:sp>
+      <p:grpSp>
+        <p:nvGrpSpPr>
+          <p:cNvPr id="66" name="Group 65"/>
+          <p:cNvGrpSpPr/>
+          <p:nvPr/>
+        </p:nvGrpSpPr>
+        <p:grpSpPr>
+          <a:xfrm>
+            <a:off x="1270" y="90170"/>
+            <a:ext cx="12198985" cy="6674485"/>
+            <a:chOff x="2" y="142"/>
+            <a:chExt cx="19211" cy="10511"/>
+          </a:xfrm>
+        </p:grpSpPr>
+        <p:sp>
+          <p:nvSpPr>
+            <p:cNvPr id="6" name="Rounded Rectangle 5"/>
+            <p:cNvSpPr/>
+            <p:nvPr/>
+          </p:nvSpPr>
+          <p:spPr>
+            <a:xfrm>
+              <a:off x="2689" y="1354"/>
+              <a:ext cx="2238" cy="493"/>
+            </a:xfrm>
+            <a:prstGeom prst="roundRect">
+              <a:avLst/>
+            </a:prstGeom>
+          </p:spPr>
+          <p:style>
+            <a:lnRef idx="2">
+              <a:schemeClr val="accent1">
+                <a:shade val="50000"/>
+              </a:schemeClr>
+            </a:lnRef>
+            <a:fillRef idx="1">
+              <a:schemeClr val="accent1"/>
+            </a:fillRef>
+            <a:effectRef idx="0">
+              <a:schemeClr val="accent1"/>
+            </a:effectRef>
+            <a:fontRef idx="minor">
+              <a:schemeClr val="lt1"/>
+            </a:fontRef>
+          </p:style>
+          <p:txBody>
+            <a:bodyPr rtlCol="0" anchor="ctr"/>
+            <a:p>
+              <a:pPr algn="ctr"/>
+              <a:r>
+                <a:rPr lang="en-IN" altLang="en-US"/>
+                <a:t>Companies</a:t>
+              </a:r>
+              <a:endParaRPr lang="en-IN" altLang="en-US"/>
+            </a:p>
+          </p:txBody>
+        </p:sp>
+        <p:sp>
+          <p:nvSpPr>
+            <p:cNvPr id="8" name="Snip and Round Single Corner Rectangle 7"/>
+            <p:cNvSpPr/>
+            <p:nvPr/>
+          </p:nvSpPr>
+          <p:spPr>
+            <a:xfrm>
+              <a:off x="2914" y="2421"/>
+              <a:ext cx="1789" cy="620"/>
+            </a:xfrm>
+            <a:prstGeom prst="snipRoundRect">
+              <a:avLst/>
+            </a:prstGeom>
+          </p:spPr>
+          <p:style>
+            <a:lnRef idx="2">
+              <a:schemeClr val="accent1">
+                <a:shade val="50000"/>
+              </a:schemeClr>
+            </a:lnRef>
+            <a:fillRef idx="1">
+              <a:schemeClr val="accent1"/>
+            </a:fillRef>
+            <a:effectRef idx="0">
+              <a:schemeClr val="accent1"/>
+            </a:effectRef>
+            <a:fontRef idx="minor">
+              <a:schemeClr val="lt1"/>
+            </a:fontRef>
+          </p:style>
+          <p:txBody>
+            <a:bodyPr rtlCol="0" anchor="ctr"/>
+            <a:p>
+              <a:pPr algn="ctr"/>
+              <a:r>
+                <a:rPr lang="en-IN" altLang="en-US" sz="1000" b="1" i="1"/>
+                <a:t>permalink to lowercase</a:t>
+              </a:r>
+              <a:endParaRPr lang="en-IN" altLang="en-US" sz="1000" b="1" i="1"/>
+            </a:p>
+          </p:txBody>
+        </p:sp>
+        <p:sp>
+          <p:nvSpPr>
+            <p:cNvPr id="9" name="Rounded Rectangle 8"/>
+            <p:cNvSpPr/>
+            <p:nvPr/>
+          </p:nvSpPr>
+          <p:spPr>
+            <a:xfrm>
+              <a:off x="6030" y="1354"/>
+              <a:ext cx="2238" cy="493"/>
+            </a:xfrm>
+            <a:prstGeom prst="roundRect">
+              <a:avLst/>
+            </a:prstGeom>
+          </p:spPr>
+          <p:style>
+            <a:lnRef idx="2">
+              <a:schemeClr val="accent1">
+                <a:shade val="50000"/>
+              </a:schemeClr>
+            </a:lnRef>
+            <a:fillRef idx="1">
+              <a:schemeClr val="accent1"/>
+            </a:fillRef>
+            <a:effectRef idx="0">
+              <a:schemeClr val="accent1"/>
+            </a:effectRef>
+            <a:fontRef idx="minor">
+              <a:schemeClr val="lt1"/>
+            </a:fontRef>
+          </p:style>
+          <p:txBody>
+            <a:bodyPr rtlCol="0" anchor="ctr"/>
+            <a:p>
+              <a:pPr algn="ctr"/>
+              <a:r>
+                <a:rPr lang="en-IN" altLang="en-US"/>
+                <a:t>Rounds2</a:t>
+              </a:r>
+              <a:endParaRPr lang="en-IN" altLang="en-US"/>
+            </a:p>
+          </p:txBody>
+        </p:sp>
+        <p:sp>
+          <p:nvSpPr>
+            <p:cNvPr id="10" name="Snip and Round Single Corner Rectangle 9"/>
+            <p:cNvSpPr/>
+            <p:nvPr/>
+          </p:nvSpPr>
+          <p:spPr>
+            <a:xfrm>
+              <a:off x="6030" y="2421"/>
+              <a:ext cx="2239" cy="620"/>
+            </a:xfrm>
+            <a:prstGeom prst="snipRoundRect">
+              <a:avLst/>
+            </a:prstGeom>
+          </p:spPr>
+          <p:style>
+            <a:lnRef idx="2">
+              <a:schemeClr val="accent1">
+                <a:shade val="50000"/>
+              </a:schemeClr>
+            </a:lnRef>
+            <a:fillRef idx="1">
+              <a:schemeClr val="accent1"/>
+            </a:fillRef>
+            <a:effectRef idx="0">
+              <a:schemeClr val="accent1"/>
+            </a:effectRef>
+            <a:fontRef idx="minor">
+              <a:schemeClr val="lt1"/>
+            </a:fontRef>
+          </p:style>
+          <p:txBody>
+            <a:bodyPr rtlCol="0" anchor="ctr"/>
+            <a:p>
+              <a:pPr algn="ctr"/>
+              <a:r>
+                <a:rPr lang="en-IN" altLang="en-US" sz="1000" b="1" i="1"/>
+                <a:t>company_permalink to lowercase</a:t>
+              </a:r>
+              <a:endParaRPr lang="en-IN" altLang="en-US" sz="1000" b="1" i="1"/>
+            </a:p>
+          </p:txBody>
+        </p:sp>
+        <p:sp>
+          <p:nvSpPr>
+            <p:cNvPr id="11" name="Rectangle 10"/>
+            <p:cNvSpPr/>
+            <p:nvPr/>
+          </p:nvSpPr>
+          <p:spPr>
+            <a:xfrm>
+              <a:off x="4127" y="4295"/>
+              <a:ext cx="2604" cy="1059"/>
+            </a:xfrm>
+            <a:prstGeom prst="rect">
+              <a:avLst/>
+            </a:prstGeom>
+          </p:spPr>
+          <p:style>
+            <a:lnRef idx="2">
+              <a:schemeClr val="accent1">
+                <a:shade val="50000"/>
+              </a:schemeClr>
+            </a:lnRef>
+            <a:fillRef idx="1">
+              <a:schemeClr val="accent1"/>
+            </a:fillRef>
+            <a:effectRef idx="0">
+              <a:schemeClr val="accent1"/>
+            </a:effectRef>
+            <a:fontRef idx="minor">
+              <a:schemeClr val="lt1"/>
+            </a:fontRef>
+          </p:style>
+          <p:txBody>
+            <a:bodyPr rtlCol="0" anchor="ctr"/>
+            <a:p>
+              <a:pPr algn="ctr"/>
+              <a:r>
+                <a:rPr lang="en-IN" altLang="en-US"/>
+                <a:t>master_frame</a:t>
+              </a:r>
+              <a:endParaRPr lang="en-IN" altLang="en-US"/>
+            </a:p>
+            <a:p>
+              <a:pPr algn="ctr"/>
+              <a:r>
+                <a:rPr lang="en-IN" altLang="en-US" sz="1600"/>
+                <a:t>(pd::join(inner))</a:t>
+              </a:r>
+              <a:endParaRPr lang="en-IN" altLang="en-US" sz="1600"/>
+            </a:p>
+          </p:txBody>
+        </p:sp>
+        <p:cxnSp>
+          <p:nvCxnSpPr>
+            <p:cNvPr id="12" name="Straight Arrow Connector 11"/>
+            <p:cNvCxnSpPr>
+              <a:stCxn id="6" idx="2"/>
+              <a:endCxn id="8" idx="3"/>
+            </p:cNvCxnSpPr>
+            <p:nvPr/>
+          </p:nvCxnSpPr>
+          <p:spPr>
+            <a:xfrm>
+              <a:off x="3785" y="1847"/>
+              <a:ext cx="1" cy="574"/>
+            </a:xfrm>
+            <a:prstGeom prst="straightConnector1">
+              <a:avLst/>
+            </a:prstGeom>
+            <a:ln>
+              <a:tailEnd type="arrow"/>
+            </a:ln>
+          </p:spPr>
+          <p:style>
+            <a:lnRef idx="1">
+              <a:schemeClr val="accent1"/>
+            </a:lnRef>
+            <a:fillRef idx="0">
+              <a:schemeClr val="accent1"/>
+            </a:fillRef>
+            <a:effectRef idx="0">
+              <a:schemeClr val="accent1"/>
+            </a:effectRef>
+            <a:fontRef idx="minor">
+              <a:schemeClr val="tx1"/>
+            </a:fontRef>
+          </p:style>
+        </p:cxnSp>
+        <p:cxnSp>
+          <p:nvCxnSpPr>
+            <p:cNvPr id="13" name="Straight Arrow Connector 12"/>
+            <p:cNvCxnSpPr>
+              <a:stCxn id="9" idx="2"/>
+              <a:endCxn id="10" idx="3"/>
+            </p:cNvCxnSpPr>
+            <p:nvPr/>
+          </p:nvCxnSpPr>
+          <p:spPr>
+            <a:xfrm>
+              <a:off x="7126" y="1847"/>
+              <a:ext cx="1" cy="574"/>
+            </a:xfrm>
+            <a:prstGeom prst="straightConnector1">
+              <a:avLst/>
+            </a:prstGeom>
+            <a:ln>
+              <a:tailEnd type="arrow"/>
+            </a:ln>
+          </p:spPr>
+          <p:style>
+            <a:lnRef idx="1">
+              <a:schemeClr val="accent1"/>
+            </a:lnRef>
+            <a:fillRef idx="0">
+              <a:schemeClr val="accent1"/>
+            </a:fillRef>
+            <a:effectRef idx="0">
+              <a:schemeClr val="accent1"/>
+            </a:effectRef>
+            <a:fontRef idx="minor">
+              <a:schemeClr val="tx1"/>
+            </a:fontRef>
+          </p:style>
+        </p:cxnSp>
+        <p:cxnSp>
+          <p:nvCxnSpPr>
+            <p:cNvPr id="14" name="Straight Arrow Connector 13"/>
+            <p:cNvCxnSpPr>
+              <a:stCxn id="10" idx="1"/>
+              <a:endCxn id="11" idx="0"/>
+            </p:cNvCxnSpPr>
+            <p:nvPr/>
+          </p:nvCxnSpPr>
+          <p:spPr>
+            <a:xfrm flipH="1">
+              <a:off x="5406" y="3041"/>
+              <a:ext cx="1721" cy="1254"/>
+            </a:xfrm>
+            <a:prstGeom prst="straightConnector1">
+              <a:avLst/>
+            </a:prstGeom>
+            <a:ln>
+              <a:tailEnd type="arrow"/>
+            </a:ln>
+          </p:spPr>
+          <p:style>
+            <a:lnRef idx="1">
+              <a:schemeClr val="accent1"/>
+            </a:lnRef>
+            <a:fillRef idx="0">
+              <a:schemeClr val="accent1"/>
+            </a:fillRef>
+            <a:effectRef idx="0">
+              <a:schemeClr val="accent1"/>
+            </a:effectRef>
+            <a:fontRef idx="minor">
+              <a:schemeClr val="tx1"/>
+            </a:fontRef>
+          </p:style>
+        </p:cxnSp>
+        <p:cxnSp>
+          <p:nvCxnSpPr>
+            <p:cNvPr id="15" name="Straight Arrow Connector 14"/>
+            <p:cNvCxnSpPr>
+              <a:stCxn id="8" idx="1"/>
+            </p:cNvCxnSpPr>
+            <p:nvPr/>
+          </p:nvCxnSpPr>
+          <p:spPr>
+            <a:xfrm>
+              <a:off x="3786" y="3041"/>
+              <a:ext cx="1641" cy="1193"/>
+            </a:xfrm>
+            <a:prstGeom prst="straightConnector1">
+              <a:avLst/>
+            </a:prstGeom>
+            <a:ln>
+              <a:tailEnd type="arrow"/>
+            </a:ln>
+          </p:spPr>
+          <p:style>
+            <a:lnRef idx="1">
+              <a:schemeClr val="accent1"/>
+            </a:lnRef>
+            <a:fillRef idx="0">
+              <a:schemeClr val="accent1"/>
+            </a:fillRef>
+            <a:effectRef idx="0">
+              <a:schemeClr val="accent1"/>
+            </a:effectRef>
+            <a:fontRef idx="minor">
+              <a:schemeClr val="tx1"/>
+            </a:fontRef>
+          </p:style>
+        </p:cxnSp>
+        <p:sp>
+          <p:nvSpPr>
+            <p:cNvPr id="16" name="Text Box 15"/>
+            <p:cNvSpPr txBox="1"/>
+            <p:nvPr/>
+          </p:nvSpPr>
+          <p:spPr>
+            <a:xfrm>
+              <a:off x="3047" y="3401"/>
+              <a:ext cx="1466" cy="483"/>
+            </a:xfrm>
+            <a:prstGeom prst="rect">
+              <a:avLst/>
+            </a:prstGeom>
+            <a:noFill/>
+          </p:spPr>
+          <p:txBody>
+            <a:bodyPr wrap="none" rtlCol="0">
+              <a:spAutoFit/>
+            </a:bodyPr>
+            <a:p>
+              <a:r>
+                <a:rPr lang="en-IN" altLang="en-US" sz="1400" b="1" i="1"/>
+                <a:t>permalink</a:t>
+              </a:r>
+              <a:endParaRPr lang="en-IN" altLang="en-US" sz="1400" b="1" i="1"/>
+            </a:p>
+          </p:txBody>
+        </p:sp>
+        <p:sp>
+          <p:nvSpPr>
+            <p:cNvPr id="17" name="Text Box 16"/>
+            <p:cNvSpPr txBox="1"/>
+            <p:nvPr/>
+          </p:nvSpPr>
+          <p:spPr>
+            <a:xfrm>
+              <a:off x="5429" y="3378"/>
+              <a:ext cx="2665" cy="483"/>
+            </a:xfrm>
+            <a:prstGeom prst="rect">
+              <a:avLst/>
+            </a:prstGeom>
+            <a:noFill/>
+          </p:spPr>
+          <p:txBody>
+            <a:bodyPr wrap="none" rtlCol="0">
+              <a:spAutoFit/>
+            </a:bodyPr>
+            <a:p>
+              <a:r>
+                <a:rPr lang="en-IN" altLang="en-US" sz="1400" b="1" i="1"/>
+                <a:t>company_permalink</a:t>
+              </a:r>
+              <a:endParaRPr lang="en-IN" altLang="en-US" sz="1400" b="1" i="1"/>
+            </a:p>
+          </p:txBody>
+        </p:sp>
+        <p:sp>
+          <p:nvSpPr>
+            <p:cNvPr id="18" name="Diamond 17"/>
+            <p:cNvSpPr/>
+            <p:nvPr/>
+          </p:nvSpPr>
+          <p:spPr>
+            <a:xfrm>
+              <a:off x="4513" y="6185"/>
+              <a:ext cx="1853" cy="2058"/>
+            </a:xfrm>
+            <a:prstGeom prst="diamond">
+              <a:avLst/>
+            </a:prstGeom>
+          </p:spPr>
+          <p:style>
+            <a:lnRef idx="2">
+              <a:schemeClr val="accent1">
+                <a:shade val="50000"/>
+              </a:schemeClr>
+            </a:lnRef>
+            <a:fillRef idx="1">
+              <a:schemeClr val="accent1"/>
+            </a:fillRef>
+            <a:effectRef idx="0">
+              <a:schemeClr val="accent1"/>
+            </a:effectRef>
+            <a:fontRef idx="minor">
+              <a:schemeClr val="lt1"/>
+            </a:fontRef>
+          </p:style>
+          <p:txBody>
+            <a:bodyPr lIns="36195" tIns="36195" rIns="36195" bIns="36195" rtlCol="0" anchor="ctr" anchorCtr="1"/>
+            <a:p>
+              <a:pPr algn="ctr"/>
+              <a:r>
+                <a:rPr lang="en-IN" altLang="en-US" sz="1400"/>
+                <a:t>Insuffcient Data</a:t>
+              </a:r>
+              <a:endParaRPr lang="en-IN" altLang="en-US" sz="1400"/>
+            </a:p>
+          </p:txBody>
+        </p:sp>
+        <p:cxnSp>
+          <p:nvCxnSpPr>
+            <p:cNvPr id="20" name="Straight Arrow Connector 19"/>
+            <p:cNvCxnSpPr>
+              <a:stCxn id="11" idx="2"/>
+              <a:endCxn id="18" idx="0"/>
+            </p:cNvCxnSpPr>
+            <p:nvPr/>
+          </p:nvCxnSpPr>
+          <p:spPr>
+            <a:xfrm>
+              <a:off x="5406" y="5354"/>
+              <a:ext cx="11" cy="831"/>
+            </a:xfrm>
+            <a:prstGeom prst="straightConnector1">
+              <a:avLst/>
+            </a:prstGeom>
+            <a:ln>
+              <a:tailEnd type="arrow"/>
+            </a:ln>
+          </p:spPr>
+          <p:style>
+            <a:lnRef idx="1">
+              <a:schemeClr val="accent1"/>
+            </a:lnRef>
+            <a:fillRef idx="0">
+              <a:schemeClr val="accent1"/>
+            </a:fillRef>
+            <a:effectRef idx="0">
+              <a:schemeClr val="accent1"/>
+            </a:effectRef>
+            <a:fontRef idx="minor">
+              <a:schemeClr val="tx1"/>
+            </a:fontRef>
+          </p:style>
+        </p:cxnSp>
+        <p:sp>
+          <p:nvSpPr>
+            <p:cNvPr id="21" name="Snip Single Corner Rectangle 20"/>
+            <p:cNvSpPr/>
+            <p:nvPr/>
+          </p:nvSpPr>
+          <p:spPr>
+            <a:xfrm>
+              <a:off x="1249" y="7589"/>
+              <a:ext cx="1440" cy="1440"/>
+            </a:xfrm>
+            <a:prstGeom prst="snip1Rect">
+              <a:avLst/>
+            </a:prstGeom>
+          </p:spPr>
+          <p:style>
+            <a:lnRef idx="2">
+              <a:schemeClr val="accent1">
+                <a:shade val="50000"/>
+              </a:schemeClr>
+            </a:lnRef>
+            <a:fillRef idx="1">
+              <a:schemeClr val="accent1"/>
+            </a:fillRef>
+            <a:effectRef idx="0">
+              <a:schemeClr val="accent1"/>
+            </a:effectRef>
+            <a:fontRef idx="minor">
+              <a:schemeClr val="lt1"/>
+            </a:fontRef>
+          </p:style>
+          <p:txBody>
+            <a:bodyPr rtlCol="0" anchor="ctr"/>
+            <a:p>
+              <a:pPr algn="ctr"/>
+              <a:r>
+                <a:rPr lang="en-IN" altLang="en-US"/>
+                <a:t>Data Clean up</a:t>
+              </a:r>
+              <a:endParaRPr lang="en-IN" altLang="en-US"/>
+            </a:p>
+          </p:txBody>
+        </p:sp>
+        <p:sp>
+          <p:nvSpPr>
+            <p:cNvPr id="22" name="Rectangle 21"/>
+            <p:cNvSpPr/>
+            <p:nvPr/>
+          </p:nvSpPr>
+          <p:spPr>
+            <a:xfrm>
+              <a:off x="4132" y="8815"/>
+              <a:ext cx="2604" cy="1059"/>
+            </a:xfrm>
+            <a:prstGeom prst="rect">
+              <a:avLst/>
+            </a:prstGeom>
+          </p:spPr>
+          <p:style>
+            <a:lnRef idx="2">
+              <a:schemeClr val="accent1">
+                <a:shade val="50000"/>
+              </a:schemeClr>
+            </a:lnRef>
+            <a:fillRef idx="1">
+              <a:schemeClr val="accent1"/>
+            </a:fillRef>
+            <a:effectRef idx="0">
+              <a:schemeClr val="accent1"/>
+            </a:effectRef>
+            <a:fontRef idx="minor">
+              <a:schemeClr val="lt1"/>
+            </a:fontRef>
+          </p:style>
+          <p:txBody>
+            <a:bodyPr rtlCol="0" anchor="ctr"/>
+            <a:p>
+              <a:pPr algn="ctr"/>
+              <a:r>
+                <a:rPr lang="en-IN" altLang="en-US"/>
+                <a:t>master_frame</a:t>
+              </a:r>
+              <a:endParaRPr lang="en-IN" altLang="en-US"/>
+            </a:p>
+            <a:p>
+              <a:pPr algn="ctr"/>
+              <a:r>
+                <a:rPr lang="en-IN" altLang="en-US" sz="1600"/>
+                <a:t>(clean)</a:t>
+              </a:r>
+              <a:endParaRPr lang="en-IN" altLang="en-US" sz="1600"/>
+            </a:p>
+          </p:txBody>
+        </p:sp>
+        <p:cxnSp>
+          <p:nvCxnSpPr>
+            <p:cNvPr id="24" name="Elbow Connector 23"/>
+            <p:cNvCxnSpPr>
+              <a:stCxn id="18" idx="1"/>
+              <a:endCxn id="21" idx="3"/>
+            </p:cNvCxnSpPr>
+            <p:nvPr/>
+          </p:nvCxnSpPr>
+          <p:spPr>
+            <a:xfrm rot="10800000" flipV="1">
+              <a:off x="1946" y="7214"/>
+              <a:ext cx="2544" cy="375"/>
+            </a:xfrm>
+            <a:prstGeom prst="bentConnector2">
+              <a:avLst/>
+            </a:prstGeom>
+            <a:ln>
+              <a:tailEnd type="arrow"/>
+            </a:ln>
+          </p:spPr>
+          <p:style>
+            <a:lnRef idx="1">
+              <a:schemeClr val="accent1"/>
+            </a:lnRef>
+            <a:fillRef idx="0">
+              <a:schemeClr val="accent1"/>
+            </a:fillRef>
+            <a:effectRef idx="0">
+              <a:schemeClr val="accent1"/>
+            </a:effectRef>
+            <a:fontRef idx="minor">
+              <a:schemeClr val="tx1"/>
+            </a:fontRef>
+          </p:style>
+        </p:cxnSp>
+        <p:cxnSp>
+          <p:nvCxnSpPr>
+            <p:cNvPr id="25" name="Elbow Connector 24"/>
+            <p:cNvCxnSpPr>
+              <a:stCxn id="21" idx="1"/>
+              <a:endCxn id="22" idx="1"/>
+            </p:cNvCxnSpPr>
+            <p:nvPr/>
+          </p:nvCxnSpPr>
+          <p:spPr>
+            <a:xfrm rot="5400000" flipV="1">
+              <a:off x="2870" y="8106"/>
+              <a:ext cx="316" cy="2163"/>
+            </a:xfrm>
+            <a:prstGeom prst="bentConnector2">
+              <a:avLst/>
+            </a:prstGeom>
+            <a:ln>
+              <a:tailEnd type="arrow"/>
+            </a:ln>
+          </p:spPr>
+          <p:style>
+            <a:lnRef idx="1">
+              <a:schemeClr val="accent1"/>
+            </a:lnRef>
+            <a:fillRef idx="0">
+              <a:schemeClr val="accent1"/>
+            </a:fillRef>
+            <a:effectRef idx="0">
+              <a:schemeClr val="accent1"/>
+            </a:effectRef>
+            <a:fontRef idx="minor">
+              <a:schemeClr val="tx1"/>
+            </a:fontRef>
+          </p:style>
+        </p:cxnSp>
+        <p:sp>
+          <p:nvSpPr>
+            <p:cNvPr id="26" name="Text Box 25"/>
+            <p:cNvSpPr txBox="1"/>
+            <p:nvPr/>
+          </p:nvSpPr>
+          <p:spPr>
+            <a:xfrm>
+              <a:off x="2914" y="7112"/>
+              <a:ext cx="757" cy="580"/>
+            </a:xfrm>
+            <a:prstGeom prst="rect">
+              <a:avLst/>
+            </a:prstGeom>
+            <a:noFill/>
+          </p:spPr>
+          <p:txBody>
+            <a:bodyPr wrap="none" rtlCol="0">
+              <a:spAutoFit/>
+            </a:bodyPr>
+            <a:p>
+              <a:r>
+                <a:rPr lang="en-IN" altLang="en-US"/>
+                <a:t>Yes</a:t>
+              </a:r>
+              <a:endParaRPr lang="en-IN" altLang="en-US"/>
+            </a:p>
+          </p:txBody>
+        </p:sp>
+        <p:cxnSp>
+          <p:nvCxnSpPr>
+            <p:cNvPr id="27" name="Straight Arrow Connector 26"/>
+            <p:cNvCxnSpPr>
+              <a:stCxn id="18" idx="2"/>
+              <a:endCxn id="22" idx="0"/>
+            </p:cNvCxnSpPr>
+            <p:nvPr/>
+          </p:nvCxnSpPr>
+          <p:spPr>
+            <a:xfrm flipH="1">
+              <a:off x="5411" y="8243"/>
+              <a:ext cx="6" cy="572"/>
+            </a:xfrm>
+            <a:prstGeom prst="straightConnector1">
+              <a:avLst/>
+            </a:prstGeom>
+            <a:ln>
+              <a:tailEnd type="arrow"/>
+            </a:ln>
+          </p:spPr>
+          <p:style>
+            <a:lnRef idx="1">
+              <a:schemeClr val="accent1"/>
+            </a:lnRef>
+            <a:fillRef idx="0">
+              <a:schemeClr val="accent1"/>
+            </a:fillRef>
+            <a:effectRef idx="0">
+              <a:schemeClr val="accent1"/>
+            </a:effectRef>
+            <a:fontRef idx="minor">
+              <a:schemeClr val="tx1"/>
+            </a:fontRef>
+          </p:style>
+        </p:cxnSp>
+        <p:sp>
+          <p:nvSpPr>
+            <p:cNvPr id="28" name="Text Box 27"/>
+            <p:cNvSpPr txBox="1"/>
+            <p:nvPr/>
+          </p:nvSpPr>
+          <p:spPr>
+            <a:xfrm>
+              <a:off x="5450" y="8235"/>
+              <a:ext cx="710" cy="580"/>
+            </a:xfrm>
+            <a:prstGeom prst="rect">
+              <a:avLst/>
+            </a:prstGeom>
+            <a:noFill/>
+          </p:spPr>
+          <p:txBody>
+            <a:bodyPr wrap="none" rtlCol="0">
+              <a:spAutoFit/>
+            </a:bodyPr>
+            <a:p>
+              <a:r>
+                <a:rPr lang="en-IN" altLang="en-US"/>
+                <a:t>No</a:t>
+              </a:r>
+              <a:endParaRPr lang="en-IN" altLang="en-US"/>
+            </a:p>
+          </p:txBody>
+        </p:sp>
+        <p:sp>
+          <p:nvSpPr>
+            <p:cNvPr id="29" name="Text Box 28"/>
+            <p:cNvSpPr txBox="1"/>
+            <p:nvPr/>
+          </p:nvSpPr>
+          <p:spPr>
+            <a:xfrm>
+              <a:off x="2" y="9345"/>
+              <a:ext cx="3955" cy="1016"/>
+            </a:xfrm>
+            <a:prstGeom prst="rect">
+              <a:avLst/>
+            </a:prstGeom>
+            <a:noFill/>
+          </p:spPr>
+          <p:txBody>
+            <a:bodyPr wrap="square" rtlCol="0">
+              <a:spAutoFit/>
+            </a:bodyPr>
+            <a:p>
+              <a:r>
+                <a:rPr lang="en-IN" altLang="en-US" sz="1200" b="1"/>
+                <a:t>1. Remove unnecessary Columns</a:t>
+              </a:r>
+              <a:endParaRPr lang="en-IN" altLang="en-US" sz="1200" b="1"/>
+            </a:p>
+            <a:p>
+              <a:r>
+                <a:rPr lang="en-IN" altLang="en-US" sz="1200" b="1"/>
+                <a:t>2. Remove Duplicate values</a:t>
+              </a:r>
+              <a:endParaRPr lang="en-IN" altLang="en-US" sz="1200" b="1"/>
+            </a:p>
+            <a:p>
+              <a:r>
+                <a:rPr lang="en-IN" altLang="en-US" sz="1200" b="1"/>
+                <a:t>3. Check if investment value &gt; 0</a:t>
+              </a:r>
+              <a:endParaRPr lang="en-IN" altLang="en-US" sz="1200" b="1"/>
+            </a:p>
+          </p:txBody>
+        </p:sp>
+        <p:sp>
+          <p:nvSpPr>
+            <p:cNvPr id="31" name="Diamond 30"/>
+            <p:cNvSpPr/>
+            <p:nvPr/>
+          </p:nvSpPr>
+          <p:spPr>
+            <a:xfrm>
+              <a:off x="7165" y="7399"/>
+              <a:ext cx="2260" cy="2260"/>
+            </a:xfrm>
+            <a:prstGeom prst="diamond">
+              <a:avLst/>
+            </a:prstGeom>
+          </p:spPr>
+          <p:style>
+            <a:lnRef idx="2">
+              <a:schemeClr val="accent1">
+                <a:shade val="50000"/>
+              </a:schemeClr>
+            </a:lnRef>
+            <a:fillRef idx="1">
+              <a:schemeClr val="accent1"/>
+            </a:fillRef>
+            <a:effectRef idx="0">
+              <a:schemeClr val="accent1"/>
+            </a:effectRef>
+            <a:fontRef idx="minor">
+              <a:schemeClr val="lt1"/>
+            </a:fontRef>
+          </p:style>
+          <p:txBody>
+            <a:bodyPr rtlCol="0" anchor="ctr"/>
+            <a:p>
+              <a:pPr algn="ctr"/>
+              <a:r>
+                <a:rPr lang="en-IN" altLang="en-US" sz="1600" b="1"/>
+                <a:t>select Funding Type</a:t>
+              </a:r>
+              <a:endParaRPr lang="en-IN" altLang="en-US" sz="1600" b="1"/>
+            </a:p>
+          </p:txBody>
+        </p:sp>
+        <p:cxnSp>
+          <p:nvCxnSpPr>
+            <p:cNvPr id="32" name="Elbow Connector 31"/>
+            <p:cNvCxnSpPr>
+              <a:stCxn id="22" idx="3"/>
+              <a:endCxn id="31" idx="1"/>
+            </p:cNvCxnSpPr>
+            <p:nvPr/>
+          </p:nvCxnSpPr>
+          <p:spPr>
+            <a:xfrm flipV="1">
+              <a:off x="6736" y="8529"/>
+              <a:ext cx="429" cy="816"/>
+            </a:xfrm>
+            <a:prstGeom prst="bentConnector3">
+              <a:avLst>
+                <a:gd name="adj1" fmla="val 50117"/>
+              </a:avLst>
+            </a:prstGeom>
+            <a:ln>
+              <a:tailEnd type="arrow"/>
+            </a:ln>
+          </p:spPr>
+          <p:style>
+            <a:lnRef idx="1">
+              <a:schemeClr val="accent1"/>
+            </a:lnRef>
+            <a:fillRef idx="0">
+              <a:schemeClr val="accent1"/>
+            </a:fillRef>
+            <a:effectRef idx="0">
+              <a:schemeClr val="accent1"/>
+            </a:effectRef>
+            <a:fontRef idx="minor">
+              <a:schemeClr val="tx1"/>
+            </a:fontRef>
+          </p:style>
+        </p:cxnSp>
+        <p:sp>
+          <p:nvSpPr>
+            <p:cNvPr id="33" name="Text Box 32"/>
+            <p:cNvSpPr txBox="1"/>
+            <p:nvPr/>
+          </p:nvSpPr>
+          <p:spPr>
+            <a:xfrm>
+              <a:off x="7296" y="9539"/>
+              <a:ext cx="3233" cy="822"/>
+            </a:xfrm>
+            <a:prstGeom prst="rect">
+              <a:avLst/>
+            </a:prstGeom>
+            <a:noFill/>
+          </p:spPr>
+          <p:txBody>
+            <a:bodyPr wrap="none" rtlCol="0">
+              <a:spAutoFit/>
+            </a:bodyPr>
+            <a:p>
+              <a:r>
+                <a:rPr lang="en-IN" altLang="en-US" sz="1400" b="1"/>
+                <a:t>Funding Value should lie </a:t>
+              </a:r>
+              <a:endParaRPr lang="en-IN" altLang="en-US" sz="1400" b="1"/>
+            </a:p>
+            <a:p>
+              <a:r>
+                <a:rPr lang="en-IN" altLang="en-US" sz="1400" b="1"/>
+                <a:t>between 5 and 15 million</a:t>
+              </a:r>
+              <a:endParaRPr lang="en-IN" altLang="en-US" sz="1400" b="1"/>
+            </a:p>
+          </p:txBody>
+        </p:sp>
+        <p:sp>
+          <p:nvSpPr>
+            <p:cNvPr id="34" name="Hexagon 33"/>
+            <p:cNvSpPr/>
+            <p:nvPr/>
+          </p:nvSpPr>
+          <p:spPr>
+            <a:xfrm>
+              <a:off x="7297" y="4745"/>
+              <a:ext cx="1824" cy="1440"/>
+            </a:xfrm>
+            <a:prstGeom prst="hexagon">
+              <a:avLst/>
+            </a:prstGeom>
+          </p:spPr>
+          <p:style>
+            <a:lnRef idx="2">
+              <a:schemeClr val="accent1">
+                <a:shade val="50000"/>
+              </a:schemeClr>
+            </a:lnRef>
+            <a:fillRef idx="1">
+              <a:schemeClr val="accent1"/>
+            </a:fillRef>
+            <a:effectRef idx="0">
+              <a:schemeClr val="accent1"/>
+            </a:effectRef>
+            <a:fontRef idx="minor">
+              <a:schemeClr val="lt1"/>
+            </a:fontRef>
+          </p:style>
+          <p:txBody>
+            <a:bodyPr rtlCol="0" anchor="ctr"/>
+            <a:p>
+              <a:pPr algn="ctr"/>
+              <a:r>
+                <a:rPr lang="en-IN" altLang="en-US" sz="1200">
+                  <a:solidFill>
+                    <a:srgbClr val="FF0000"/>
+                  </a:solidFill>
+                </a:rPr>
+                <a:t>STOP, Nothing SUITABLE</a:t>
+              </a:r>
+              <a:endParaRPr lang="en-IN" altLang="en-US" sz="1200">
+                <a:solidFill>
+                  <a:srgbClr val="FF0000"/>
+                </a:solidFill>
+              </a:endParaRPr>
+            </a:p>
+          </p:txBody>
+        </p:sp>
+        <p:cxnSp>
+          <p:nvCxnSpPr>
+            <p:cNvPr id="35" name="Elbow Connector 34"/>
+            <p:cNvCxnSpPr>
+              <a:stCxn id="31" idx="0"/>
+              <a:endCxn id="34" idx="2"/>
+            </p:cNvCxnSpPr>
+            <p:nvPr/>
+          </p:nvCxnSpPr>
+          <p:spPr>
+            <a:xfrm rot="16200000" flipV="1">
+              <a:off x="7369" y="6473"/>
+              <a:ext cx="1214" cy="638"/>
+            </a:xfrm>
+            <a:prstGeom prst="bentConnector3">
+              <a:avLst>
+                <a:gd name="adj1" fmla="val 50000"/>
+              </a:avLst>
+            </a:prstGeom>
+            <a:ln>
+              <a:tailEnd type="arrow"/>
+            </a:ln>
+          </p:spPr>
+          <p:style>
+            <a:lnRef idx="1">
+              <a:schemeClr val="accent1"/>
+            </a:lnRef>
+            <a:fillRef idx="0">
+              <a:schemeClr val="accent1"/>
+            </a:fillRef>
+            <a:effectRef idx="0">
+              <a:schemeClr val="accent1"/>
+            </a:effectRef>
+            <a:fontRef idx="minor">
+              <a:schemeClr val="tx1"/>
+            </a:fontRef>
+          </p:style>
+        </p:cxnSp>
+        <p:sp>
+          <p:nvSpPr>
+            <p:cNvPr id="37" name="Diamond 36"/>
+            <p:cNvSpPr/>
+            <p:nvPr/>
+          </p:nvSpPr>
+          <p:spPr>
+            <a:xfrm>
+              <a:off x="10117" y="7399"/>
+              <a:ext cx="2225" cy="2260"/>
+            </a:xfrm>
+            <a:prstGeom prst="diamond">
+              <a:avLst/>
+            </a:prstGeom>
+          </p:spPr>
+          <p:style>
+            <a:lnRef idx="2">
+              <a:schemeClr val="accent1">
+                <a:shade val="50000"/>
+              </a:schemeClr>
+            </a:lnRef>
+            <a:fillRef idx="1">
+              <a:schemeClr val="accent1"/>
+            </a:fillRef>
+            <a:effectRef idx="0">
+              <a:schemeClr val="accent1"/>
+            </a:effectRef>
+            <a:fontRef idx="minor">
+              <a:schemeClr val="lt1"/>
+            </a:fontRef>
+          </p:style>
+          <p:txBody>
+            <a:bodyPr lIns="36195" tIns="36195" rIns="36195" bIns="36195" rtlCol="0" anchor="ctr"/>
+            <a:p>
+              <a:pPr algn="ctr"/>
+              <a:r>
+                <a:rPr lang="en-IN" altLang="en-US" sz="1400" b="1"/>
+                <a:t>Country with highest investment</a:t>
+              </a:r>
+              <a:endParaRPr lang="en-IN" altLang="en-US" sz="1400" b="1"/>
+            </a:p>
+          </p:txBody>
+        </p:sp>
+        <p:cxnSp>
+          <p:nvCxnSpPr>
+            <p:cNvPr id="38" name="Straight Arrow Connector 37"/>
+            <p:cNvCxnSpPr>
+              <a:stCxn id="31" idx="3"/>
+              <a:endCxn id="37" idx="1"/>
+            </p:cNvCxnSpPr>
+            <p:nvPr/>
+          </p:nvCxnSpPr>
+          <p:spPr>
+            <a:xfrm>
+              <a:off x="9425" y="8529"/>
+              <a:ext cx="692" cy="0"/>
+            </a:xfrm>
+            <a:prstGeom prst="straightConnector1">
+              <a:avLst/>
+            </a:prstGeom>
+            <a:ln>
+              <a:tailEnd type="arrow"/>
+            </a:ln>
+          </p:spPr>
+          <p:style>
+            <a:lnRef idx="1">
+              <a:schemeClr val="accent1"/>
+            </a:lnRef>
+            <a:fillRef idx="0">
+              <a:schemeClr val="accent1"/>
+            </a:fillRef>
+            <a:effectRef idx="0">
+              <a:schemeClr val="accent1"/>
+            </a:effectRef>
+            <a:fontRef idx="minor">
+              <a:schemeClr val="tx1"/>
+            </a:fontRef>
+          </p:style>
+        </p:cxnSp>
+        <p:sp>
+          <p:nvSpPr>
+            <p:cNvPr id="39" name="Diamond 38"/>
+            <p:cNvSpPr/>
+            <p:nvPr/>
+          </p:nvSpPr>
+          <p:spPr>
+            <a:xfrm>
+              <a:off x="12847" y="7444"/>
+              <a:ext cx="2129" cy="2154"/>
+            </a:xfrm>
+            <a:prstGeom prst="diamond">
+              <a:avLst/>
+            </a:prstGeom>
+          </p:spPr>
+          <p:style>
+            <a:lnRef idx="2">
+              <a:schemeClr val="accent1">
+                <a:shade val="50000"/>
+              </a:schemeClr>
+            </a:lnRef>
+            <a:fillRef idx="1">
+              <a:schemeClr val="accent1"/>
+            </a:fillRef>
+            <a:effectRef idx="0">
+              <a:schemeClr val="accent1"/>
+            </a:effectRef>
+            <a:fontRef idx="minor">
+              <a:schemeClr val="lt1"/>
+            </a:fontRef>
+          </p:style>
+          <p:txBody>
+            <a:bodyPr rtlCol="0" anchor="ctr"/>
+            <a:p>
+              <a:pPr algn="ctr"/>
+              <a:r>
+                <a:rPr lang="en-IN" altLang="en-US" sz="1400" b="1"/>
+                <a:t>Native Eng</a:t>
+              </a:r>
+              <a:endParaRPr lang="en-IN" altLang="en-US" sz="1400" b="1"/>
+            </a:p>
+            <a:p>
+              <a:pPr algn="ctr"/>
+              <a:r>
+                <a:rPr lang="en-IN" altLang="en-US" sz="1400" b="1"/>
+                <a:t>Countries</a:t>
+              </a:r>
+              <a:endParaRPr lang="en-IN" altLang="en-US" sz="1400" b="1"/>
+            </a:p>
+          </p:txBody>
+        </p:sp>
+        <p:cxnSp>
+          <p:nvCxnSpPr>
+            <p:cNvPr id="40" name="Elbow Connector 39"/>
+            <p:cNvCxnSpPr>
+              <a:stCxn id="37" idx="3"/>
+              <a:endCxn id="39" idx="1"/>
+            </p:cNvCxnSpPr>
+            <p:nvPr/>
+          </p:nvCxnSpPr>
+          <p:spPr>
+            <a:xfrm flipV="1">
+              <a:off x="12342" y="8521"/>
+              <a:ext cx="505" cy="8"/>
+            </a:xfrm>
+            <a:prstGeom prst="bentConnector3">
+              <a:avLst>
+                <a:gd name="adj1" fmla="val 50099"/>
+              </a:avLst>
+            </a:prstGeom>
+            <a:ln>
+              <a:tailEnd type="arrow"/>
+            </a:ln>
+          </p:spPr>
+          <p:style>
+            <a:lnRef idx="1">
+              <a:schemeClr val="accent1"/>
+            </a:lnRef>
+            <a:fillRef idx="0">
+              <a:schemeClr val="accent1"/>
+            </a:fillRef>
+            <a:effectRef idx="0">
+              <a:schemeClr val="accent1"/>
+            </a:effectRef>
+            <a:fontRef idx="minor">
+              <a:schemeClr val="tx1"/>
+            </a:fontRef>
+          </p:style>
+        </p:cxnSp>
+        <p:sp>
+          <p:nvSpPr>
+            <p:cNvPr id="41" name="Text Box 40"/>
+            <p:cNvSpPr txBox="1"/>
+            <p:nvPr/>
+          </p:nvSpPr>
+          <p:spPr>
+            <a:xfrm>
+              <a:off x="8700" y="6502"/>
+              <a:ext cx="1829" cy="580"/>
+            </a:xfrm>
+            <a:prstGeom prst="rect">
+              <a:avLst/>
+            </a:prstGeom>
+            <a:noFill/>
+          </p:spPr>
+          <p:txBody>
+            <a:bodyPr wrap="none" rtlCol="0">
+              <a:spAutoFit/>
+            </a:bodyPr>
+            <a:p>
+              <a:r>
+                <a:rPr lang="en-IN" altLang="en-US"/>
+                <a:t>Not Found</a:t>
+              </a:r>
+              <a:endParaRPr lang="en-IN" altLang="en-US"/>
+            </a:p>
+          </p:txBody>
+        </p:sp>
+        <p:cxnSp>
+          <p:nvCxnSpPr>
+            <p:cNvPr id="42" name="Elbow Connector 41"/>
+            <p:cNvCxnSpPr>
+              <a:stCxn id="39" idx="0"/>
+              <a:endCxn id="34" idx="1"/>
+            </p:cNvCxnSpPr>
+            <p:nvPr/>
+          </p:nvCxnSpPr>
+          <p:spPr>
+            <a:xfrm rot="16200000" flipV="1">
+              <a:off x="10707" y="4239"/>
+              <a:ext cx="1259" cy="5151"/>
+            </a:xfrm>
+            <a:prstGeom prst="bentConnector3">
+              <a:avLst>
+                <a:gd name="adj1" fmla="val 49960"/>
+              </a:avLst>
+            </a:prstGeom>
+            <a:ln>
+              <a:tailEnd type="arrow"/>
+            </a:ln>
+          </p:spPr>
+          <p:style>
+            <a:lnRef idx="1">
+              <a:schemeClr val="accent1"/>
+            </a:lnRef>
+            <a:fillRef idx="0">
+              <a:schemeClr val="accent1"/>
+            </a:fillRef>
+            <a:effectRef idx="0">
+              <a:schemeClr val="accent1"/>
+            </a:effectRef>
+            <a:fontRef idx="minor">
+              <a:schemeClr val="tx1"/>
+            </a:fontRef>
+          </p:style>
+        </p:cxnSp>
+        <p:sp>
+          <p:nvSpPr>
+            <p:cNvPr id="44" name="Rounded Rectangle 43"/>
+            <p:cNvSpPr/>
+            <p:nvPr/>
+          </p:nvSpPr>
+          <p:spPr>
+            <a:xfrm>
+              <a:off x="8868" y="1354"/>
+              <a:ext cx="2238" cy="493"/>
+            </a:xfrm>
+            <a:prstGeom prst="roundRect">
+              <a:avLst/>
+            </a:prstGeom>
+          </p:spPr>
+          <p:style>
+            <a:lnRef idx="2">
+              <a:schemeClr val="accent1">
+                <a:shade val="50000"/>
+              </a:schemeClr>
+            </a:lnRef>
+            <a:fillRef idx="1">
+              <a:schemeClr val="accent1"/>
+            </a:fillRef>
+            <a:effectRef idx="0">
+              <a:schemeClr val="accent1"/>
+            </a:effectRef>
+            <a:fontRef idx="minor">
+              <a:schemeClr val="lt1"/>
+            </a:fontRef>
+          </p:style>
+          <p:txBody>
+            <a:bodyPr rtlCol="0" anchor="ctr"/>
+            <a:p>
+              <a:pPr algn="ctr"/>
+              <a:r>
+                <a:rPr lang="en-IN" altLang="en-US"/>
+                <a:t>Mapping</a:t>
+              </a:r>
+              <a:endParaRPr lang="en-IN" altLang="en-US"/>
+            </a:p>
+          </p:txBody>
+        </p:sp>
+        <p:sp>
+          <p:nvSpPr>
+            <p:cNvPr id="45" name="Snip and Round Single Corner Rectangle 44"/>
+            <p:cNvSpPr/>
+            <p:nvPr/>
+          </p:nvSpPr>
+          <p:spPr>
+            <a:xfrm>
+              <a:off x="8868" y="2421"/>
+              <a:ext cx="2239" cy="620"/>
+            </a:xfrm>
+            <a:prstGeom prst="snipRoundRect">
+              <a:avLst/>
+            </a:prstGeom>
+          </p:spPr>
+          <p:style>
+            <a:lnRef idx="2">
+              <a:schemeClr val="accent1">
+                <a:shade val="50000"/>
+              </a:schemeClr>
+            </a:lnRef>
+            <a:fillRef idx="1">
+              <a:schemeClr val="accent1"/>
+            </a:fillRef>
+            <a:effectRef idx="0">
+              <a:schemeClr val="accent1"/>
+            </a:effectRef>
+            <a:fontRef idx="minor">
+              <a:schemeClr val="lt1"/>
+            </a:fontRef>
+          </p:style>
+          <p:txBody>
+            <a:bodyPr rtlCol="0" anchor="ctr"/>
+            <a:p>
+              <a:pPr algn="ctr"/>
+              <a:r>
+                <a:rPr lang="en-IN" altLang="en-US" sz="1000" b="1" i="1"/>
+                <a:t>Clean Data</a:t>
+              </a:r>
+              <a:endParaRPr lang="en-IN" altLang="en-US" sz="1000" b="1" i="1"/>
+            </a:p>
+          </p:txBody>
+        </p:sp>
+        <p:cxnSp>
+          <p:nvCxnSpPr>
+            <p:cNvPr id="46" name="Straight Arrow Connector 45"/>
+            <p:cNvCxnSpPr>
+              <a:stCxn id="44" idx="2"/>
+              <a:endCxn id="45" idx="3"/>
+            </p:cNvCxnSpPr>
+            <p:nvPr/>
+          </p:nvCxnSpPr>
+          <p:spPr>
+            <a:xfrm>
+              <a:off x="9964" y="1847"/>
+              <a:ext cx="1" cy="574"/>
+            </a:xfrm>
+            <a:prstGeom prst="straightConnector1">
+              <a:avLst/>
+            </a:prstGeom>
+            <a:ln>
+              <a:tailEnd type="arrow"/>
+            </a:ln>
+          </p:spPr>
+          <p:style>
+            <a:lnRef idx="1">
+              <a:schemeClr val="accent1"/>
+            </a:lnRef>
+            <a:fillRef idx="0">
+              <a:schemeClr val="accent1"/>
+            </a:fillRef>
+            <a:effectRef idx="0">
+              <a:schemeClr val="accent1"/>
+            </a:effectRef>
+            <a:fontRef idx="minor">
+              <a:schemeClr val="tx1"/>
+            </a:fontRef>
+          </p:style>
+        </p:cxnSp>
+        <p:sp>
+          <p:nvSpPr>
+            <p:cNvPr id="47" name="Text Box 46"/>
+            <p:cNvSpPr txBox="1"/>
+            <p:nvPr/>
+          </p:nvSpPr>
+          <p:spPr>
+            <a:xfrm>
+              <a:off x="9988" y="142"/>
+              <a:ext cx="5194" cy="1016"/>
+            </a:xfrm>
+            <a:prstGeom prst="rect">
+              <a:avLst/>
+            </a:prstGeom>
+            <a:noFill/>
+            <a:ln>
+              <a:solidFill>
+                <a:schemeClr val="accent1"/>
+              </a:solidFill>
+              <a:prstDash val="sysDash"/>
+            </a:ln>
+          </p:spPr>
+          <p:txBody>
+            <a:bodyPr wrap="none" rtlCol="0">
+              <a:spAutoFit/>
+            </a:bodyPr>
+            <a:p>
+              <a:r>
+                <a:rPr lang="en-IN" altLang="en-US"/>
+                <a:t>1. Map category to PrimarySector</a:t>
+              </a:r>
+              <a:endParaRPr lang="en-IN" altLang="en-US"/>
+            </a:p>
+            <a:p>
+              <a:r>
+                <a:rPr lang="en-IN" altLang="en-US"/>
+                <a:t>2. Correct Spellings</a:t>
+              </a:r>
+              <a:endParaRPr lang="en-IN" altLang="en-US"/>
+            </a:p>
+          </p:txBody>
+        </p:sp>
+        <p:cxnSp>
+          <p:nvCxnSpPr>
+            <p:cNvPr id="48" name="Straight Connector 47"/>
+            <p:cNvCxnSpPr/>
+            <p:nvPr/>
+          </p:nvCxnSpPr>
+          <p:spPr>
+            <a:xfrm flipV="1">
+              <a:off x="10708" y="1164"/>
+              <a:ext cx="1213" cy="1214"/>
+            </a:xfrm>
+            <a:prstGeom prst="line">
+              <a:avLst/>
+            </a:prstGeom>
+            <a:ln>
+              <a:solidFill>
+                <a:schemeClr val="tx1"/>
+              </a:solidFill>
+              <a:prstDash val="sysDash"/>
+            </a:ln>
+          </p:spPr>
+          <p:style>
+            <a:lnRef idx="1">
+              <a:schemeClr val="accent1"/>
+            </a:lnRef>
+            <a:fillRef idx="0">
+              <a:schemeClr val="accent1"/>
+            </a:fillRef>
+            <a:effectRef idx="0">
+              <a:schemeClr val="accent1"/>
+            </a:effectRef>
+            <a:fontRef idx="minor">
+              <a:schemeClr val="tx1"/>
+            </a:fontRef>
+          </p:style>
+        </p:cxnSp>
+        <p:sp>
+          <p:nvSpPr>
+            <p:cNvPr id="49" name="Rectangle 48"/>
+            <p:cNvSpPr/>
+            <p:nvPr/>
+          </p:nvSpPr>
+          <p:spPr>
+            <a:xfrm>
+              <a:off x="11574" y="3884"/>
+              <a:ext cx="2604" cy="1059"/>
+            </a:xfrm>
+            <a:prstGeom prst="rect">
+              <a:avLst/>
+            </a:prstGeom>
+          </p:spPr>
+          <p:style>
+            <a:lnRef idx="2">
+              <a:schemeClr val="accent1">
+                <a:shade val="50000"/>
+              </a:schemeClr>
+            </a:lnRef>
+            <a:fillRef idx="1">
+              <a:schemeClr val="accent1"/>
+            </a:fillRef>
+            <a:effectRef idx="0">
+              <a:schemeClr val="accent1"/>
+            </a:effectRef>
+            <a:fontRef idx="minor">
+              <a:schemeClr val="lt1"/>
+            </a:fontRef>
+          </p:style>
+          <p:txBody>
+            <a:bodyPr rtlCol="0" anchor="ctr"/>
+            <a:p>
+              <a:pPr algn="ctr"/>
+              <a:r>
+                <a:rPr lang="en-IN" altLang="en-US"/>
+                <a:t>master_frame</a:t>
+              </a:r>
+              <a:endParaRPr lang="en-IN" altLang="en-US"/>
+            </a:p>
+            <a:p>
+              <a:pPr algn="ctr"/>
+              <a:r>
+                <a:rPr lang="en-IN" altLang="en-US" sz="1600"/>
+                <a:t>(pd::join(left))</a:t>
+              </a:r>
+              <a:endParaRPr lang="en-IN" altLang="en-US" sz="1600"/>
+            </a:p>
+          </p:txBody>
+        </p:sp>
+        <p:cxnSp>
+          <p:nvCxnSpPr>
+            <p:cNvPr id="50" name="Elbow Connector 49"/>
+            <p:cNvCxnSpPr>
+              <a:stCxn id="45" idx="1"/>
+              <a:endCxn id="49" idx="1"/>
+            </p:cNvCxnSpPr>
+            <p:nvPr/>
+          </p:nvCxnSpPr>
+          <p:spPr>
+            <a:xfrm rot="5400000" flipV="1">
+              <a:off x="10072" y="2935"/>
+              <a:ext cx="1373" cy="1586"/>
+            </a:xfrm>
+            <a:prstGeom prst="bentConnector2">
+              <a:avLst/>
+            </a:prstGeom>
+            <a:ln>
+              <a:tailEnd type="arrow"/>
+            </a:ln>
+          </p:spPr>
+          <p:style>
+            <a:lnRef idx="1">
+              <a:schemeClr val="accent1"/>
+            </a:lnRef>
+            <a:fillRef idx="0">
+              <a:schemeClr val="accent1"/>
+            </a:fillRef>
+            <a:effectRef idx="0">
+              <a:schemeClr val="accent1"/>
+            </a:effectRef>
+            <a:fontRef idx="minor">
+              <a:schemeClr val="tx1"/>
+            </a:fontRef>
+          </p:style>
+        </p:cxnSp>
+        <p:cxnSp>
+          <p:nvCxnSpPr>
+            <p:cNvPr id="51" name="Elbow Connector 50"/>
+            <p:cNvCxnSpPr>
+              <a:stCxn id="39" idx="3"/>
+              <a:endCxn id="49" idx="2"/>
+            </p:cNvCxnSpPr>
+            <p:nvPr/>
+          </p:nvCxnSpPr>
+          <p:spPr>
+            <a:xfrm flipH="1" flipV="1">
+              <a:off x="12876" y="4943"/>
+              <a:ext cx="2100" cy="3578"/>
+            </a:xfrm>
+            <a:prstGeom prst="bentConnector4">
+              <a:avLst>
+                <a:gd name="adj1" fmla="val -17857"/>
+                <a:gd name="adj2" fmla="val 65036"/>
+              </a:avLst>
+            </a:prstGeom>
+            <a:ln>
+              <a:tailEnd type="arrow"/>
+            </a:ln>
+          </p:spPr>
+          <p:style>
+            <a:lnRef idx="1">
+              <a:schemeClr val="accent1"/>
+            </a:lnRef>
+            <a:fillRef idx="0">
+              <a:schemeClr val="accent1"/>
+            </a:fillRef>
+            <a:effectRef idx="0">
+              <a:schemeClr val="accent1"/>
+            </a:effectRef>
+            <a:fontRef idx="minor">
+              <a:schemeClr val="tx1"/>
+            </a:fontRef>
+          </p:style>
+        </p:cxnSp>
+        <p:sp>
+          <p:nvSpPr>
+            <p:cNvPr id="52" name="Flowchart: Document 51"/>
+            <p:cNvSpPr/>
+            <p:nvPr/>
+          </p:nvSpPr>
+          <p:spPr>
+            <a:xfrm>
+              <a:off x="14502" y="3932"/>
+              <a:ext cx="1440" cy="963"/>
+            </a:xfrm>
+            <a:prstGeom prst="flowChartDocument">
+              <a:avLst/>
+            </a:prstGeom>
+          </p:spPr>
+          <p:style>
+            <a:lnRef idx="2">
+              <a:schemeClr val="accent1">
+                <a:shade val="50000"/>
+              </a:schemeClr>
+            </a:lnRef>
+            <a:fillRef idx="1">
+              <a:schemeClr val="accent1"/>
+            </a:fillRef>
+            <a:effectRef idx="0">
+              <a:schemeClr val="accent1"/>
+            </a:effectRef>
+            <a:fontRef idx="minor">
+              <a:schemeClr val="lt1"/>
+            </a:fontRef>
+          </p:style>
+          <p:txBody>
+            <a:bodyPr rtlCol="0" anchor="ctr"/>
+            <a:p>
+              <a:pPr algn="ctr"/>
+              <a:r>
+                <a:rPr lang="en-IN" altLang="en-US"/>
+                <a:t>D1</a:t>
+              </a:r>
+              <a:endParaRPr lang="en-IN" altLang="en-US"/>
+            </a:p>
+          </p:txBody>
+        </p:sp>
+        <p:sp>
+          <p:nvSpPr>
+            <p:cNvPr id="53" name="Flowchart: Document 52"/>
+            <p:cNvSpPr/>
+            <p:nvPr/>
+          </p:nvSpPr>
+          <p:spPr>
+            <a:xfrm>
+              <a:off x="16156" y="3932"/>
+              <a:ext cx="1440" cy="963"/>
+            </a:xfrm>
+            <a:prstGeom prst="flowChartDocument">
+              <a:avLst/>
+            </a:prstGeom>
+          </p:spPr>
+          <p:style>
+            <a:lnRef idx="2">
+              <a:schemeClr val="accent1">
+                <a:shade val="50000"/>
+              </a:schemeClr>
+            </a:lnRef>
+            <a:fillRef idx="1">
+              <a:schemeClr val="accent1"/>
+            </a:fillRef>
+            <a:effectRef idx="0">
+              <a:schemeClr val="accent1"/>
+            </a:effectRef>
+            <a:fontRef idx="minor">
+              <a:schemeClr val="lt1"/>
+            </a:fontRef>
+          </p:style>
+          <p:txBody>
+            <a:bodyPr rtlCol="0" anchor="ctr"/>
+            <a:p>
+              <a:pPr algn="ctr"/>
+              <a:r>
+                <a:rPr lang="en-IN" altLang="en-US"/>
+                <a:t>D2</a:t>
+              </a:r>
+              <a:endParaRPr lang="en-IN" altLang="en-US"/>
+            </a:p>
+          </p:txBody>
+        </p:sp>
+        <p:sp>
+          <p:nvSpPr>
+            <p:cNvPr id="54" name="Flowchart: Document 53"/>
+            <p:cNvSpPr/>
+            <p:nvPr/>
+          </p:nvSpPr>
+          <p:spPr>
+            <a:xfrm>
+              <a:off x="17773" y="3932"/>
+              <a:ext cx="1440" cy="963"/>
+            </a:xfrm>
+            <a:prstGeom prst="flowChartDocument">
+              <a:avLst/>
+            </a:prstGeom>
+          </p:spPr>
+          <p:style>
+            <a:lnRef idx="2">
+              <a:schemeClr val="accent1">
+                <a:shade val="50000"/>
+              </a:schemeClr>
+            </a:lnRef>
+            <a:fillRef idx="1">
+              <a:schemeClr val="accent1"/>
+            </a:fillRef>
+            <a:effectRef idx="0">
+              <a:schemeClr val="accent1"/>
+            </a:effectRef>
+            <a:fontRef idx="minor">
+              <a:schemeClr val="lt1"/>
+            </a:fontRef>
+          </p:style>
+          <p:txBody>
+            <a:bodyPr rtlCol="0" anchor="ctr"/>
+            <a:p>
+              <a:pPr algn="ctr"/>
+              <a:r>
+                <a:rPr lang="en-IN" altLang="en-US"/>
+                <a:t>D3</a:t>
+              </a:r>
+              <a:endParaRPr lang="en-IN" altLang="en-US"/>
+            </a:p>
+          </p:txBody>
+        </p:sp>
+        <p:sp>
+          <p:nvSpPr>
+            <p:cNvPr id="55" name="Diamond 54"/>
+            <p:cNvSpPr/>
+            <p:nvPr/>
+          </p:nvSpPr>
+          <p:spPr>
+            <a:xfrm>
+              <a:off x="14178" y="1353"/>
+              <a:ext cx="1872" cy="1977"/>
+            </a:xfrm>
+            <a:prstGeom prst="diamond">
+              <a:avLst/>
+            </a:prstGeom>
+          </p:spPr>
+          <p:style>
+            <a:lnRef idx="2">
+              <a:schemeClr val="accent1">
+                <a:shade val="50000"/>
+              </a:schemeClr>
+            </a:lnRef>
+            <a:fillRef idx="1">
+              <a:schemeClr val="accent1"/>
+            </a:fillRef>
+            <a:effectRef idx="0">
+              <a:schemeClr val="accent1"/>
+            </a:effectRef>
+            <a:fontRef idx="minor">
+              <a:schemeClr val="lt1"/>
+            </a:fontRef>
+          </p:style>
+          <p:txBody>
+            <a:bodyPr rtlCol="0" anchor="ctr"/>
+            <a:p>
+              <a:pPr algn="ctr"/>
+              <a:r>
+                <a:rPr lang="en-IN" altLang="en-US" sz="1400" b="1"/>
+                <a:t>Filter Top 3 country</a:t>
+              </a:r>
+              <a:endParaRPr lang="en-IN" altLang="en-US" sz="1400" b="1"/>
+            </a:p>
+          </p:txBody>
+        </p:sp>
+        <p:cxnSp>
+          <p:nvCxnSpPr>
+            <p:cNvPr id="57" name="Elbow Connector 56"/>
+            <p:cNvCxnSpPr>
+              <a:stCxn id="49" idx="0"/>
+              <a:endCxn id="55" idx="1"/>
+            </p:cNvCxnSpPr>
+            <p:nvPr/>
+          </p:nvCxnSpPr>
+          <p:spPr>
+            <a:xfrm rot="16200000">
+              <a:off x="12733" y="2462"/>
+              <a:ext cx="1542" cy="1302"/>
+            </a:xfrm>
+            <a:prstGeom prst="bentConnector2">
+              <a:avLst/>
+            </a:prstGeom>
+            <a:ln>
+              <a:tailEnd type="arrow"/>
+            </a:ln>
+          </p:spPr>
+          <p:style>
+            <a:lnRef idx="1">
+              <a:schemeClr val="accent1"/>
+            </a:lnRef>
+            <a:fillRef idx="0">
+              <a:schemeClr val="accent1"/>
+            </a:fillRef>
+            <a:effectRef idx="0">
+              <a:schemeClr val="accent1"/>
+            </a:effectRef>
+            <a:fontRef idx="minor">
+              <a:schemeClr val="tx1"/>
+            </a:fontRef>
+          </p:style>
+        </p:cxnSp>
+        <p:cxnSp>
+          <p:nvCxnSpPr>
+            <p:cNvPr id="58" name="Elbow Connector 57"/>
+            <p:cNvCxnSpPr>
+              <a:stCxn id="55" idx="2"/>
+              <a:endCxn id="52" idx="0"/>
+            </p:cNvCxnSpPr>
+            <p:nvPr/>
+          </p:nvCxnSpPr>
+          <p:spPr>
+            <a:xfrm rot="5400000" flipV="1">
+              <a:off x="14844" y="3577"/>
+              <a:ext cx="602" cy="108"/>
+            </a:xfrm>
+            <a:prstGeom prst="bentConnector3">
+              <a:avLst>
+                <a:gd name="adj1" fmla="val 50000"/>
+              </a:avLst>
+            </a:prstGeom>
+            <a:ln>
+              <a:tailEnd type="arrow"/>
+            </a:ln>
+          </p:spPr>
+          <p:style>
+            <a:lnRef idx="1">
+              <a:schemeClr val="accent1"/>
+            </a:lnRef>
+            <a:fillRef idx="0">
+              <a:schemeClr val="accent1"/>
+            </a:fillRef>
+            <a:effectRef idx="0">
+              <a:schemeClr val="accent1"/>
+            </a:effectRef>
+            <a:fontRef idx="minor">
+              <a:schemeClr val="tx1"/>
+            </a:fontRef>
+          </p:style>
+        </p:cxnSp>
+        <p:cxnSp>
+          <p:nvCxnSpPr>
+            <p:cNvPr id="59" name="Elbow Connector 58"/>
+            <p:cNvCxnSpPr>
+              <a:stCxn id="55" idx="3"/>
+              <a:endCxn id="53" idx="0"/>
+            </p:cNvCxnSpPr>
+            <p:nvPr/>
+          </p:nvCxnSpPr>
+          <p:spPr>
+            <a:xfrm>
+              <a:off x="16027" y="2342"/>
+              <a:ext cx="826" cy="1590"/>
+            </a:xfrm>
+            <a:prstGeom prst="bentConnector2">
+              <a:avLst/>
+            </a:prstGeom>
+            <a:ln>
+              <a:tailEnd type="arrow"/>
+            </a:ln>
+          </p:spPr>
+          <p:style>
+            <a:lnRef idx="1">
+              <a:schemeClr val="accent1"/>
+            </a:lnRef>
+            <a:fillRef idx="0">
+              <a:schemeClr val="accent1"/>
+            </a:fillRef>
+            <a:effectRef idx="0">
+              <a:schemeClr val="accent1"/>
+            </a:effectRef>
+            <a:fontRef idx="minor">
+              <a:schemeClr val="tx1"/>
+            </a:fontRef>
+          </p:style>
+        </p:cxnSp>
+        <p:cxnSp>
+          <p:nvCxnSpPr>
+            <p:cNvPr id="61" name="Elbow Connector 60"/>
+            <p:cNvCxnSpPr>
+              <a:stCxn id="55" idx="0"/>
+              <a:endCxn id="54" idx="0"/>
+            </p:cNvCxnSpPr>
+            <p:nvPr/>
+          </p:nvCxnSpPr>
+          <p:spPr>
+            <a:xfrm rot="16200000" flipH="1">
+              <a:off x="15491" y="953"/>
+              <a:ext cx="2579" cy="3379"/>
+            </a:xfrm>
+            <a:prstGeom prst="bentConnector3">
+              <a:avLst>
+                <a:gd name="adj1" fmla="val -14541"/>
+              </a:avLst>
+            </a:prstGeom>
+            <a:ln>
+              <a:tailEnd type="arrow"/>
+            </a:ln>
+          </p:spPr>
+          <p:style>
+            <a:lnRef idx="1">
+              <a:schemeClr val="accent1"/>
+            </a:lnRef>
+            <a:fillRef idx="0">
+              <a:schemeClr val="accent1"/>
+            </a:fillRef>
+            <a:effectRef idx="0">
+              <a:schemeClr val="accent1"/>
+            </a:effectRef>
+            <a:fontRef idx="minor">
+              <a:schemeClr val="tx1"/>
+            </a:fontRef>
+          </p:style>
+        </p:cxnSp>
+        <p:sp>
+          <p:nvSpPr>
+            <p:cNvPr id="62" name="Donut 61"/>
+            <p:cNvSpPr/>
+            <p:nvPr/>
+          </p:nvSpPr>
+          <p:spPr>
+            <a:xfrm>
+              <a:off x="17052" y="8521"/>
+              <a:ext cx="2161" cy="2133"/>
+            </a:xfrm>
+            <a:prstGeom prst="donut">
+              <a:avLst/>
+            </a:prstGeom>
+          </p:spPr>
+          <p:style>
+            <a:lnRef idx="2">
+              <a:schemeClr val="accent1">
+                <a:shade val="50000"/>
+              </a:schemeClr>
+            </a:lnRef>
+            <a:fillRef idx="1">
+              <a:schemeClr val="accent1"/>
+            </a:fillRef>
+            <a:effectRef idx="0">
+              <a:schemeClr val="accent1"/>
+            </a:effectRef>
+            <a:fontRef idx="minor">
+              <a:schemeClr val="lt1"/>
+            </a:fontRef>
+          </p:style>
+          <p:txBody>
+            <a:bodyPr rtlCol="0" anchor="ctr"/>
+            <a:p>
+              <a:pPr algn="ctr"/>
+              <a:r>
+                <a:rPr lang="en-IN" altLang="en-US" b="1">
+                  <a:solidFill>
+                    <a:schemeClr val="tx1"/>
+                  </a:solidFill>
+                </a:rPr>
+                <a:t>Illustrations</a:t>
+              </a:r>
+              <a:endParaRPr lang="en-IN" altLang="en-US" b="1">
+                <a:solidFill>
+                  <a:schemeClr val="tx1"/>
+                </a:solidFill>
+              </a:endParaRPr>
+            </a:p>
+          </p:txBody>
+        </p:sp>
+        <p:cxnSp>
+          <p:nvCxnSpPr>
+            <p:cNvPr id="63" name="Straight Arrow Connector 62"/>
+            <p:cNvCxnSpPr>
+              <a:stCxn id="54" idx="2"/>
+              <a:endCxn id="62" idx="7"/>
+            </p:cNvCxnSpPr>
+            <p:nvPr/>
+          </p:nvCxnSpPr>
+          <p:spPr>
+            <a:xfrm>
+              <a:off x="18470" y="4831"/>
+              <a:ext cx="404" cy="4002"/>
+            </a:xfrm>
+            <a:prstGeom prst="straightConnector1">
+              <a:avLst/>
+            </a:prstGeom>
+            <a:ln>
+              <a:tailEnd type="arrow"/>
+            </a:ln>
+          </p:spPr>
+          <p:style>
+            <a:lnRef idx="1">
+              <a:schemeClr val="accent1"/>
+            </a:lnRef>
+            <a:fillRef idx="0">
+              <a:schemeClr val="accent1"/>
+            </a:fillRef>
+            <a:effectRef idx="0">
+              <a:schemeClr val="accent1"/>
+            </a:effectRef>
+            <a:fontRef idx="minor">
+              <a:schemeClr val="tx1"/>
+            </a:fontRef>
+          </p:style>
+        </p:cxnSp>
+        <p:cxnSp>
+          <p:nvCxnSpPr>
+            <p:cNvPr id="64" name="Straight Arrow Connector 63"/>
+            <p:cNvCxnSpPr>
+              <a:stCxn id="53" idx="2"/>
+              <a:endCxn id="62" idx="0"/>
+            </p:cNvCxnSpPr>
+            <p:nvPr/>
+          </p:nvCxnSpPr>
+          <p:spPr>
+            <a:xfrm>
+              <a:off x="16853" y="4831"/>
+              <a:ext cx="1257" cy="3690"/>
+            </a:xfrm>
+            <a:prstGeom prst="straightConnector1">
+              <a:avLst/>
+            </a:prstGeom>
+            <a:ln>
+              <a:tailEnd type="arrow"/>
+            </a:ln>
+          </p:spPr>
+          <p:style>
+            <a:lnRef idx="1">
+              <a:schemeClr val="accent1"/>
+            </a:lnRef>
+            <a:fillRef idx="0">
+              <a:schemeClr val="accent1"/>
+            </a:fillRef>
+            <a:effectRef idx="0">
+              <a:schemeClr val="accent1"/>
+            </a:effectRef>
+            <a:fontRef idx="minor">
+              <a:schemeClr val="tx1"/>
+            </a:fontRef>
+          </p:style>
+        </p:cxnSp>
+        <p:cxnSp>
+          <p:nvCxnSpPr>
+            <p:cNvPr id="65" name="Straight Arrow Connector 64"/>
+            <p:cNvCxnSpPr>
+              <a:stCxn id="52" idx="2"/>
+              <a:endCxn id="62" idx="1"/>
+            </p:cNvCxnSpPr>
+            <p:nvPr/>
+          </p:nvCxnSpPr>
+          <p:spPr>
+            <a:xfrm>
+              <a:off x="15199" y="4831"/>
+              <a:ext cx="2146" cy="4002"/>
+            </a:xfrm>
+            <a:prstGeom prst="straightConnector1">
+              <a:avLst/>
+            </a:prstGeom>
+            <a:ln>
+              <a:tailEnd type="arrow"/>
+            </a:ln>
+          </p:spPr>
+          <p:style>
+            <a:lnRef idx="1">
+              <a:schemeClr val="accent1"/>
+            </a:lnRef>
+            <a:fillRef idx="0">
+              <a:schemeClr val="accent1"/>
+            </a:fillRef>
+            <a:effectRef idx="0">
+              <a:schemeClr val="accent1"/>
+            </a:effectRef>
+            <a:fontRef idx="minor">
+              <a:schemeClr val="tx1"/>
+            </a:fontRef>
+          </p:style>
+        </p:cxnSp>
+      </p:grpSp>
     </p:spTree>
-    <p:extLst>
-      <p:ext uri="{BB962C8B-B14F-4D97-AF65-F5344CB8AC3E}">
-        <p14:creationId xmlns:p14="http://schemas.microsoft.com/office/powerpoint/2010/main" val="3095347154"/>
-      </p:ext>
-    </p:extLst>
   </p:cSld>
   <p:clrMapOvr>
     <a:masterClrMapping/>
@@ -3884,6 +6026,32 @@
           <a:chExt cx="0" cy="0"/>
         </a:xfrm>
       </p:grpSpPr>
+      <p:pic>
+        <p:nvPicPr>
+          <p:cNvPr id="4" name="Content Placeholder 3" descr="funding-all"/>
+          <p:cNvPicPr>
+            <a:picLocks noChangeAspect="1"/>
+          </p:cNvPicPr>
+          <p:nvPr>
+            <p:ph idx="1"/>
+          </p:nvPr>
+        </p:nvPicPr>
+        <p:blipFill>
+          <a:blip r:embed="rId1"/>
+          <a:stretch>
+            <a:fillRect/>
+          </a:stretch>
+        </p:blipFill>
+        <p:spPr>
+          <a:xfrm>
+            <a:off x="130175" y="81280"/>
+            <a:ext cx="8322945" cy="6951980"/>
+          </a:xfrm>
+          <a:prstGeom prst="rect">
+            <a:avLst/>
+          </a:prstGeom>
+        </p:spPr>
+      </p:pic>
       <p:sp>
         <p:nvSpPr>
           <p:cNvPr id="2" name="Title 1"/>
@@ -3894,52 +6062,456 @@
             <p:ph type="title"/>
           </p:nvPr>
         </p:nvSpPr>
-        <p:spPr/>
+        <p:spPr>
+          <a:xfrm>
+            <a:off x="1136469" y="247015"/>
+            <a:ext cx="9313817" cy="856138"/>
+          </a:xfrm>
+        </p:spPr>
         <p:txBody>
           <a:bodyPr/>
           <a:lstStyle/>
           <a:p>
-            <a:r>
-              <a:rPr lang="en-IN" b="1" dirty="0"/>
-              <a:t> </a:t>
-            </a:r>
-            <a:r>
-              <a:rPr lang="en-IN" sz="2800" dirty="0"/>
-              <a:t>&lt;Analysis&gt;</a:t>
-            </a:r>
-          </a:p>
-        </p:txBody>
-      </p:sp>
-      <p:sp>
-        <p:nvSpPr>
-          <p:cNvPr id="3" name="Content Placeholder 2"/>
-          <p:cNvSpPr>
-            <a:spLocks noGrp="1"/>
-          </p:cNvSpPr>
-          <p:nvPr>
-            <p:ph idx="1"/>
-          </p:nvPr>
-        </p:nvSpPr>
-        <p:spPr/>
-        <p:txBody>
-          <a:bodyPr>
+            <a:pPr algn="r"/>
+            <a:r>
+              <a:rPr lang="en-IN" b="1" dirty="0">
+                <a:latin typeface="+mj-lt"/>
+                <a:cs typeface="+mj-lt"/>
+              </a:rPr>
+              <a:t> Total Funding</a:t>
+            </a:r>
+            <a:endParaRPr lang="en-IN" sz="2800" dirty="0">
+              <a:latin typeface="+mj-lt"/>
+              <a:cs typeface="+mj-lt"/>
+            </a:endParaRPr>
+          </a:p>
+        </p:txBody>
+      </p:sp>
+      <p:sp>
+        <p:nvSpPr>
+          <p:cNvPr id="6" name="Content Placeholder 2"/>
+          <p:cNvSpPr>
+            <a:spLocks noGrp="1"/>
+          </p:cNvSpPr>
+          <p:nvPr/>
+        </p:nvSpPr>
+        <p:spPr>
+          <a:xfrm>
+            <a:off x="8728710" y="1103630"/>
+            <a:ext cx="2845435" cy="5095240"/>
+          </a:xfrm>
+          <a:prstGeom prst="rect">
+            <a:avLst/>
+          </a:prstGeom>
+        </p:spPr>
+        <p:txBody>
+          <a:bodyPr vert="horz" lIns="91440" tIns="45720" rIns="91440" bIns="45720" rtlCol="0">
             <a:normAutofit/>
           </a:bodyPr>
-          <a:lstStyle/>
+          <a:lstStyle>
+            <a:lvl1pPr marL="228600" indent="-228600" algn="l" defTabSz="914400" rtl="0" eaLnBrk="1" latinLnBrk="0" hangingPunct="1">
+              <a:lnSpc>
+                <a:spcPct val="90000"/>
+              </a:lnSpc>
+              <a:spcBef>
+                <a:spcPts val="1000"/>
+              </a:spcBef>
+              <a:buFont typeface="Arial" panose="020B0604020202020204" pitchFamily="34" charset="0"/>
+              <a:buChar char="•"/>
+              <a:defRPr sz="2800" kern="1200">
+                <a:solidFill>
+                  <a:schemeClr val="tx1"/>
+                </a:solidFill>
+                <a:latin typeface="Times New Roman" panose="02020603050405020304" pitchFamily="18" charset="0"/>
+                <a:ea typeface="+mn-ea"/>
+                <a:cs typeface="Times New Roman" panose="02020603050405020304" pitchFamily="18" charset="0"/>
+              </a:defRPr>
+            </a:lvl1pPr>
+            <a:lvl2pPr marL="685800" indent="-228600" algn="l" defTabSz="914400" rtl="0" eaLnBrk="1" latinLnBrk="0" hangingPunct="1">
+              <a:lnSpc>
+                <a:spcPct val="90000"/>
+              </a:lnSpc>
+              <a:spcBef>
+                <a:spcPts val="500"/>
+              </a:spcBef>
+              <a:buFont typeface="Arial" panose="020B0604020202020204" pitchFamily="34" charset="0"/>
+              <a:buChar char="•"/>
+              <a:defRPr sz="2400" kern="1200">
+                <a:solidFill>
+                  <a:schemeClr val="tx1"/>
+                </a:solidFill>
+                <a:latin typeface="Times New Roman" panose="02020603050405020304" pitchFamily="18" charset="0"/>
+                <a:ea typeface="+mn-ea"/>
+                <a:cs typeface="Times New Roman" panose="02020603050405020304" pitchFamily="18" charset="0"/>
+              </a:defRPr>
+            </a:lvl2pPr>
+            <a:lvl3pPr marL="1143000" indent="-228600" algn="l" defTabSz="914400" rtl="0" eaLnBrk="1" latinLnBrk="0" hangingPunct="1">
+              <a:lnSpc>
+                <a:spcPct val="90000"/>
+              </a:lnSpc>
+              <a:spcBef>
+                <a:spcPts val="500"/>
+              </a:spcBef>
+              <a:buFont typeface="Arial" panose="020B0604020202020204" pitchFamily="34" charset="0"/>
+              <a:buChar char="•"/>
+              <a:defRPr sz="2000" kern="1200">
+                <a:solidFill>
+                  <a:schemeClr val="tx1"/>
+                </a:solidFill>
+                <a:latin typeface="Times New Roman" panose="02020603050405020304" pitchFamily="18" charset="0"/>
+                <a:ea typeface="+mn-ea"/>
+                <a:cs typeface="Times New Roman" panose="02020603050405020304" pitchFamily="18" charset="0"/>
+              </a:defRPr>
+            </a:lvl3pPr>
+            <a:lvl4pPr marL="1600200" indent="-228600" algn="l" defTabSz="914400" rtl="0" eaLnBrk="1" latinLnBrk="0" hangingPunct="1">
+              <a:lnSpc>
+                <a:spcPct val="90000"/>
+              </a:lnSpc>
+              <a:spcBef>
+                <a:spcPts val="500"/>
+              </a:spcBef>
+              <a:buFont typeface="Arial" panose="020B0604020202020204" pitchFamily="34" charset="0"/>
+              <a:buChar char="•"/>
+              <a:defRPr sz="1800" kern="1200">
+                <a:solidFill>
+                  <a:schemeClr val="tx1"/>
+                </a:solidFill>
+                <a:latin typeface="Times New Roman" panose="02020603050405020304" pitchFamily="18" charset="0"/>
+                <a:ea typeface="+mn-ea"/>
+                <a:cs typeface="Times New Roman" panose="02020603050405020304" pitchFamily="18" charset="0"/>
+              </a:defRPr>
+            </a:lvl4pPr>
+            <a:lvl5pPr marL="2057400" indent="-228600" algn="l" defTabSz="914400" rtl="0" eaLnBrk="1" latinLnBrk="0" hangingPunct="1">
+              <a:lnSpc>
+                <a:spcPct val="90000"/>
+              </a:lnSpc>
+              <a:spcBef>
+                <a:spcPts val="500"/>
+              </a:spcBef>
+              <a:buFont typeface="Arial" panose="020B0604020202020204" pitchFamily="34" charset="0"/>
+              <a:buChar char="•"/>
+              <a:defRPr sz="1800" kern="1200">
+                <a:solidFill>
+                  <a:schemeClr val="tx1"/>
+                </a:solidFill>
+                <a:latin typeface="Times New Roman" panose="02020603050405020304" pitchFamily="18" charset="0"/>
+                <a:ea typeface="+mn-ea"/>
+                <a:cs typeface="Times New Roman" panose="02020603050405020304" pitchFamily="18" charset="0"/>
+              </a:defRPr>
+            </a:lvl5pPr>
+            <a:lvl6pPr marL="2514600" indent="-228600" algn="l" defTabSz="914400" rtl="0" eaLnBrk="1" latinLnBrk="0" hangingPunct="1">
+              <a:lnSpc>
+                <a:spcPct val="90000"/>
+              </a:lnSpc>
+              <a:spcBef>
+                <a:spcPts val="500"/>
+              </a:spcBef>
+              <a:buFont typeface="Arial" panose="020B0604020202020204" pitchFamily="34" charset="0"/>
+              <a:buChar char="•"/>
+              <a:defRPr sz="1800" kern="1200">
+                <a:solidFill>
+                  <a:schemeClr val="tx1"/>
+                </a:solidFill>
+                <a:latin typeface="+mn-lt"/>
+                <a:ea typeface="+mn-ea"/>
+                <a:cs typeface="+mn-cs"/>
+              </a:defRPr>
+            </a:lvl6pPr>
+            <a:lvl7pPr marL="2971800" indent="-228600" algn="l" defTabSz="914400" rtl="0" eaLnBrk="1" latinLnBrk="0" hangingPunct="1">
+              <a:lnSpc>
+                <a:spcPct val="90000"/>
+              </a:lnSpc>
+              <a:spcBef>
+                <a:spcPts val="500"/>
+              </a:spcBef>
+              <a:buFont typeface="Arial" panose="020B0604020202020204" pitchFamily="34" charset="0"/>
+              <a:buChar char="•"/>
+              <a:defRPr sz="1800" kern="1200">
+                <a:solidFill>
+                  <a:schemeClr val="tx1"/>
+                </a:solidFill>
+                <a:latin typeface="+mn-lt"/>
+                <a:ea typeface="+mn-ea"/>
+                <a:cs typeface="+mn-cs"/>
+              </a:defRPr>
+            </a:lvl7pPr>
+            <a:lvl8pPr marL="3429000" indent="-228600" algn="l" defTabSz="914400" rtl="0" eaLnBrk="1" latinLnBrk="0" hangingPunct="1">
+              <a:lnSpc>
+                <a:spcPct val="90000"/>
+              </a:lnSpc>
+              <a:spcBef>
+                <a:spcPts val="500"/>
+              </a:spcBef>
+              <a:buFont typeface="Arial" panose="020B0604020202020204" pitchFamily="34" charset="0"/>
+              <a:buChar char="•"/>
+              <a:defRPr sz="1800" kern="1200">
+                <a:solidFill>
+                  <a:schemeClr val="tx1"/>
+                </a:solidFill>
+                <a:latin typeface="+mn-lt"/>
+                <a:ea typeface="+mn-ea"/>
+                <a:cs typeface="+mn-cs"/>
+              </a:defRPr>
+            </a:lvl8pPr>
+            <a:lvl9pPr marL="3886200" indent="-228600" algn="l" defTabSz="914400" rtl="0" eaLnBrk="1" latinLnBrk="0" hangingPunct="1">
+              <a:lnSpc>
+                <a:spcPct val="90000"/>
+              </a:lnSpc>
+              <a:spcBef>
+                <a:spcPts val="500"/>
+              </a:spcBef>
+              <a:buFont typeface="Arial" panose="020B0604020202020204" pitchFamily="34" charset="0"/>
+              <a:buChar char="•"/>
+              <a:defRPr sz="1800" kern="1200">
+                <a:solidFill>
+                  <a:schemeClr val="tx1"/>
+                </a:solidFill>
+                <a:latin typeface="+mn-lt"/>
+                <a:ea typeface="+mn-ea"/>
+                <a:cs typeface="+mn-cs"/>
+              </a:defRPr>
+            </a:lvl9pPr>
+          </a:lstStyle>
+          <a:p>
+            <a:pPr marL="914400" lvl="2" indent="0" algn="l">
+              <a:buNone/>
+            </a:pPr>
+            <a:endParaRPr lang="en-IN" sz="1600" dirty="0">
+              <a:latin typeface="+mn-lt"/>
+              <a:cs typeface="+mn-lt"/>
+            </a:endParaRPr>
+          </a:p>
+        </p:txBody>
+      </p:sp>
+      <p:sp>
+        <p:nvSpPr>
+          <p:cNvPr id="7" name="Content Placeholder 2"/>
+          <p:cNvSpPr>
+            <a:spLocks noGrp="1"/>
+          </p:cNvSpPr>
+          <p:nvPr/>
+        </p:nvSpPr>
+        <p:spPr>
+          <a:xfrm>
+            <a:off x="8669020" y="1104265"/>
+            <a:ext cx="2905125" cy="5094605"/>
+          </a:xfrm>
+          <a:prstGeom prst="rect">
+            <a:avLst/>
+          </a:prstGeom>
+        </p:spPr>
+        <p:txBody>
+          <a:bodyPr vert="horz" lIns="91440" tIns="45720" rIns="91440" bIns="45720" rtlCol="0">
+            <a:normAutofit/>
+          </a:bodyPr>
+          <a:lstStyle>
+            <a:lvl1pPr marL="228600" indent="-228600" algn="l" defTabSz="914400" rtl="0" eaLnBrk="1" latinLnBrk="0" hangingPunct="1">
+              <a:lnSpc>
+                <a:spcPct val="90000"/>
+              </a:lnSpc>
+              <a:spcBef>
+                <a:spcPts val="1000"/>
+              </a:spcBef>
+              <a:buFont typeface="Arial" panose="020B0604020202020204" pitchFamily="34" charset="0"/>
+              <a:buChar char="•"/>
+              <a:defRPr sz="2800" kern="1200">
+                <a:solidFill>
+                  <a:schemeClr val="tx1"/>
+                </a:solidFill>
+                <a:latin typeface="Times New Roman" panose="02020603050405020304" pitchFamily="18" charset="0"/>
+                <a:ea typeface="+mn-ea"/>
+                <a:cs typeface="Times New Roman" panose="02020603050405020304" pitchFamily="18" charset="0"/>
+              </a:defRPr>
+            </a:lvl1pPr>
+            <a:lvl2pPr marL="685800" indent="-228600" algn="l" defTabSz="914400" rtl="0" eaLnBrk="1" latinLnBrk="0" hangingPunct="1">
+              <a:lnSpc>
+                <a:spcPct val="90000"/>
+              </a:lnSpc>
+              <a:spcBef>
+                <a:spcPts val="500"/>
+              </a:spcBef>
+              <a:buFont typeface="Arial" panose="020B0604020202020204" pitchFamily="34" charset="0"/>
+              <a:buChar char="•"/>
+              <a:defRPr sz="2400" kern="1200">
+                <a:solidFill>
+                  <a:schemeClr val="tx1"/>
+                </a:solidFill>
+                <a:latin typeface="Times New Roman" panose="02020603050405020304" pitchFamily="18" charset="0"/>
+                <a:ea typeface="+mn-ea"/>
+                <a:cs typeface="Times New Roman" panose="02020603050405020304" pitchFamily="18" charset="0"/>
+              </a:defRPr>
+            </a:lvl2pPr>
+            <a:lvl3pPr marL="1143000" indent="-228600" algn="l" defTabSz="914400" rtl="0" eaLnBrk="1" latinLnBrk="0" hangingPunct="1">
+              <a:lnSpc>
+                <a:spcPct val="90000"/>
+              </a:lnSpc>
+              <a:spcBef>
+                <a:spcPts val="500"/>
+              </a:spcBef>
+              <a:buFont typeface="Arial" panose="020B0604020202020204" pitchFamily="34" charset="0"/>
+              <a:buChar char="•"/>
+              <a:defRPr sz="2000" kern="1200">
+                <a:solidFill>
+                  <a:schemeClr val="tx1"/>
+                </a:solidFill>
+                <a:latin typeface="Times New Roman" panose="02020603050405020304" pitchFamily="18" charset="0"/>
+                <a:ea typeface="+mn-ea"/>
+                <a:cs typeface="Times New Roman" panose="02020603050405020304" pitchFamily="18" charset="0"/>
+              </a:defRPr>
+            </a:lvl3pPr>
+            <a:lvl4pPr marL="1600200" indent="-228600" algn="l" defTabSz="914400" rtl="0" eaLnBrk="1" latinLnBrk="0" hangingPunct="1">
+              <a:lnSpc>
+                <a:spcPct val="90000"/>
+              </a:lnSpc>
+              <a:spcBef>
+                <a:spcPts val="500"/>
+              </a:spcBef>
+              <a:buFont typeface="Arial" panose="020B0604020202020204" pitchFamily="34" charset="0"/>
+              <a:buChar char="•"/>
+              <a:defRPr sz="1800" kern="1200">
+                <a:solidFill>
+                  <a:schemeClr val="tx1"/>
+                </a:solidFill>
+                <a:latin typeface="Times New Roman" panose="02020603050405020304" pitchFamily="18" charset="0"/>
+                <a:ea typeface="+mn-ea"/>
+                <a:cs typeface="Times New Roman" panose="02020603050405020304" pitchFamily="18" charset="0"/>
+              </a:defRPr>
+            </a:lvl4pPr>
+            <a:lvl5pPr marL="2057400" indent="-228600" algn="l" defTabSz="914400" rtl="0" eaLnBrk="1" latinLnBrk="0" hangingPunct="1">
+              <a:lnSpc>
+                <a:spcPct val="90000"/>
+              </a:lnSpc>
+              <a:spcBef>
+                <a:spcPts val="500"/>
+              </a:spcBef>
+              <a:buFont typeface="Arial" panose="020B0604020202020204" pitchFamily="34" charset="0"/>
+              <a:buChar char="•"/>
+              <a:defRPr sz="1800" kern="1200">
+                <a:solidFill>
+                  <a:schemeClr val="tx1"/>
+                </a:solidFill>
+                <a:latin typeface="Times New Roman" panose="02020603050405020304" pitchFamily="18" charset="0"/>
+                <a:ea typeface="+mn-ea"/>
+                <a:cs typeface="Times New Roman" panose="02020603050405020304" pitchFamily="18" charset="0"/>
+              </a:defRPr>
+            </a:lvl5pPr>
+            <a:lvl6pPr marL="2514600" indent="-228600" algn="l" defTabSz="914400" rtl="0" eaLnBrk="1" latinLnBrk="0" hangingPunct="1">
+              <a:lnSpc>
+                <a:spcPct val="90000"/>
+              </a:lnSpc>
+              <a:spcBef>
+                <a:spcPts val="500"/>
+              </a:spcBef>
+              <a:buFont typeface="Arial" panose="020B0604020202020204" pitchFamily="34" charset="0"/>
+              <a:buChar char="•"/>
+              <a:defRPr sz="1800" kern="1200">
+                <a:solidFill>
+                  <a:schemeClr val="tx1"/>
+                </a:solidFill>
+                <a:latin typeface="+mn-lt"/>
+                <a:ea typeface="+mn-ea"/>
+                <a:cs typeface="+mn-cs"/>
+              </a:defRPr>
+            </a:lvl6pPr>
+            <a:lvl7pPr marL="2971800" indent="-228600" algn="l" defTabSz="914400" rtl="0" eaLnBrk="1" latinLnBrk="0" hangingPunct="1">
+              <a:lnSpc>
+                <a:spcPct val="90000"/>
+              </a:lnSpc>
+              <a:spcBef>
+                <a:spcPts val="500"/>
+              </a:spcBef>
+              <a:buFont typeface="Arial" panose="020B0604020202020204" pitchFamily="34" charset="0"/>
+              <a:buChar char="•"/>
+              <a:defRPr sz="1800" kern="1200">
+                <a:solidFill>
+                  <a:schemeClr val="tx1"/>
+                </a:solidFill>
+                <a:latin typeface="+mn-lt"/>
+                <a:ea typeface="+mn-ea"/>
+                <a:cs typeface="+mn-cs"/>
+              </a:defRPr>
+            </a:lvl7pPr>
+            <a:lvl8pPr marL="3429000" indent="-228600" algn="l" defTabSz="914400" rtl="0" eaLnBrk="1" latinLnBrk="0" hangingPunct="1">
+              <a:lnSpc>
+                <a:spcPct val="90000"/>
+              </a:lnSpc>
+              <a:spcBef>
+                <a:spcPts val="500"/>
+              </a:spcBef>
+              <a:buFont typeface="Arial" panose="020B0604020202020204" pitchFamily="34" charset="0"/>
+              <a:buChar char="•"/>
+              <a:defRPr sz="1800" kern="1200">
+                <a:solidFill>
+                  <a:schemeClr val="tx1"/>
+                </a:solidFill>
+                <a:latin typeface="+mn-lt"/>
+                <a:ea typeface="+mn-ea"/>
+                <a:cs typeface="+mn-cs"/>
+              </a:defRPr>
+            </a:lvl8pPr>
+            <a:lvl9pPr marL="3886200" indent="-228600" algn="l" defTabSz="914400" rtl="0" eaLnBrk="1" latinLnBrk="0" hangingPunct="1">
+              <a:lnSpc>
+                <a:spcPct val="90000"/>
+              </a:lnSpc>
+              <a:spcBef>
+                <a:spcPts val="500"/>
+              </a:spcBef>
+              <a:buFont typeface="Arial" panose="020B0604020202020204" pitchFamily="34" charset="0"/>
+              <a:buChar char="•"/>
+              <a:defRPr sz="1800" kern="1200">
+                <a:solidFill>
+                  <a:schemeClr val="tx1"/>
+                </a:solidFill>
+                <a:latin typeface="+mn-lt"/>
+                <a:ea typeface="+mn-ea"/>
+                <a:cs typeface="+mn-cs"/>
+              </a:defRPr>
+            </a:lvl9pPr>
+          </a:lstStyle>
           <a:p>
             <a:pPr marL="0" indent="0">
               <a:buNone/>
             </a:pPr>
-            <a:endParaRPr lang="en-IN" sz="1400" dirty="0"/>
+            <a:r>
+              <a:rPr lang="en-IN" sz="1800" dirty="0">
+                <a:latin typeface="+mn-lt"/>
+                <a:cs typeface="+mn-lt"/>
+              </a:rPr>
+              <a:t>From the Graph, we can observe most of the investments in post-ipo and secondary market.</a:t>
+            </a:r>
+            <a:endParaRPr lang="en-IN" sz="1800" dirty="0">
+              <a:latin typeface="+mn-lt"/>
+              <a:cs typeface="+mn-lt"/>
+            </a:endParaRPr>
+          </a:p>
+          <a:p>
+            <a:pPr marL="0" indent="0">
+              <a:buNone/>
+            </a:pPr>
+            <a:r>
+              <a:rPr lang="en-IN" sz="1800" dirty="0">
+                <a:latin typeface="+mn-lt"/>
+                <a:cs typeface="+mn-lt"/>
+              </a:rPr>
+              <a:t> But our interest is towards Venture, Private-Equity, Seed and Angel Funds</a:t>
+            </a:r>
+            <a:endParaRPr lang="en-IN" sz="1800" dirty="0">
+              <a:latin typeface="+mn-lt"/>
+              <a:cs typeface="+mn-lt"/>
+            </a:endParaRPr>
+          </a:p>
+          <a:p>
+            <a:pPr marL="0" indent="0">
+              <a:buNone/>
+            </a:pPr>
+            <a:endParaRPr lang="en-IN" sz="1800" dirty="0">
+              <a:latin typeface="+mn-lt"/>
+              <a:cs typeface="+mn-lt"/>
+            </a:endParaRPr>
           </a:p>
         </p:txBody>
       </p:sp>
     </p:spTree>
-    <p:extLst>
-      <p:ext uri="{BB962C8B-B14F-4D97-AF65-F5344CB8AC3E}">
-        <p14:creationId xmlns:p14="http://schemas.microsoft.com/office/powerpoint/2010/main" val="1302983225"/>
-      </p:ext>
-    </p:extLst>
   </p:cSld>
   <p:clrMapOvr>
     <a:masterClrMapping/>
@@ -3966,41 +6538,20 @@
       </p:grpSpPr>
       <p:sp>
         <p:nvSpPr>
-          <p:cNvPr id="2" name="Title 1"/>
-          <p:cNvSpPr>
-            <a:spLocks noGrp="1"/>
-          </p:cNvSpPr>
-          <p:nvPr>
-            <p:ph type="title"/>
-          </p:nvPr>
-        </p:nvSpPr>
-        <p:spPr/>
-        <p:txBody>
-          <a:bodyPr/>
-          <a:lstStyle/>
-          <a:p>
-            <a:r>
-              <a:rPr lang="en-IN" b="1" dirty="0"/>
-              <a:t> </a:t>
-            </a:r>
-            <a:r>
-              <a:rPr lang="en-IN" sz="2800" dirty="0"/>
-              <a:t>&lt;Analysis&gt;</a:t>
-            </a:r>
-          </a:p>
-        </p:txBody>
-      </p:sp>
-      <p:sp>
-        <p:nvSpPr>
           <p:cNvPr id="3" name="Content Placeholder 2"/>
           <p:cNvSpPr>
             <a:spLocks noGrp="1"/>
           </p:cNvSpPr>
           <p:nvPr>
-            <p:ph idx="1"/>
-          </p:nvPr>
-        </p:nvSpPr>
-        <p:spPr/>
+            <p:ph sz="half" idx="1"/>
+          </p:nvPr>
+        </p:nvSpPr>
+        <p:spPr>
+          <a:xfrm>
+            <a:off x="400050" y="1738630"/>
+            <a:ext cx="1984375" cy="4351655"/>
+          </a:xfrm>
+        </p:spPr>
         <p:txBody>
           <a:bodyPr>
             <a:normAutofit/>
@@ -4010,16 +6561,104 @@
             <a:pPr marL="0" indent="0">
               <a:buNone/>
             </a:pPr>
-            <a:endParaRPr lang="en-IN" sz="1400" dirty="0"/>
+            <a:r>
+              <a:rPr lang="en-IN" sz="1800" dirty="0">
+                <a:latin typeface="+mn-lt"/>
+                <a:cs typeface="+mn-lt"/>
+              </a:rPr>
+              <a:t>Observations</a:t>
+            </a:r>
+            <a:endParaRPr lang="en-IN" sz="1800" dirty="0">
+              <a:latin typeface="+mn-lt"/>
+              <a:cs typeface="+mn-lt"/>
+            </a:endParaRPr>
+          </a:p>
+          <a:p>
+            <a:r>
+              <a:rPr lang="en-IN" sz="1800" dirty="0">
+                <a:latin typeface="+mn-lt"/>
+                <a:cs typeface="+mn-lt"/>
+              </a:rPr>
+              <a:t>USA got highest number of investors and investments.</a:t>
+            </a:r>
+            <a:endParaRPr lang="en-IN" sz="1800" dirty="0">
+              <a:latin typeface="+mn-lt"/>
+              <a:cs typeface="+mn-lt"/>
+            </a:endParaRPr>
+          </a:p>
+          <a:p>
+            <a:r>
+              <a:rPr lang="en-IN" sz="1800" dirty="0">
+                <a:latin typeface="+mn-lt"/>
+                <a:cs typeface="+mn-lt"/>
+              </a:rPr>
+              <a:t>Its world leader in attracting investors</a:t>
+            </a:r>
+            <a:endParaRPr lang="en-IN" sz="1800" dirty="0">
+              <a:latin typeface="+mn-lt"/>
+              <a:cs typeface="+mn-lt"/>
+            </a:endParaRPr>
+          </a:p>
+        </p:txBody>
+      </p:sp>
+      <p:pic>
+        <p:nvPicPr>
+          <p:cNvPr id="2" name="Content Placeholder 1" descr="plot-1"/>
+          <p:cNvPicPr>
+            <a:picLocks noChangeAspect="1"/>
+          </p:cNvPicPr>
+          <p:nvPr>
+            <p:ph sz="half" idx="2"/>
+          </p:nvPr>
+        </p:nvPicPr>
+        <p:blipFill>
+          <a:blip r:embed="rId1"/>
+          <a:stretch>
+            <a:fillRect/>
+          </a:stretch>
+        </p:blipFill>
+        <p:spPr>
+          <a:xfrm>
+            <a:off x="2384425" y="457200"/>
+            <a:ext cx="9740900" cy="6417945"/>
+          </a:xfrm>
+          <a:prstGeom prst="rect">
+            <a:avLst/>
+          </a:prstGeom>
+        </p:spPr>
+      </p:pic>
+      <p:sp>
+        <p:nvSpPr>
+          <p:cNvPr id="4" name="Title 3"/>
+          <p:cNvSpPr/>
+          <p:nvPr>
+            <p:ph type="title"/>
+          </p:nvPr>
+        </p:nvSpPr>
+        <p:spPr>
+          <a:xfrm>
+            <a:off x="1162868" y="101282"/>
+            <a:ext cx="9181075" cy="984886"/>
+          </a:xfrm>
+        </p:spPr>
+        <p:txBody>
+          <a:bodyPr/>
+          <a:p>
+            <a:r>
+              <a:rPr lang="en-IN" altLang="en-US">
+                <a:latin typeface="+mj-lt"/>
+                <a:cs typeface="+mj-lt"/>
+              </a:rPr>
+              <a:t>Investment Spread across countries</a:t>
+            </a:r>
+            <a:endParaRPr lang="en-IN" altLang="en-US">
+              <a:latin typeface="+mj-lt"/>
+              <a:cs typeface="+mj-lt"/>
+            </a:endParaRPr>
           </a:p>
         </p:txBody>
       </p:sp>
     </p:spTree>
-    <p:extLst>
-      <p:ext uri="{BB962C8B-B14F-4D97-AF65-F5344CB8AC3E}">
-        <p14:creationId xmlns:p14="http://schemas.microsoft.com/office/powerpoint/2010/main" val="567511567"/>
-      </p:ext>
-    </p:extLst>
   </p:cSld>
   <p:clrMapOvr>
     <a:masterClrMapping/>
@@ -4044,47 +6683,46 @@
           <a:chExt cx="0" cy="0"/>
         </a:xfrm>
       </p:grpSpPr>
-      <p:sp>
-        <p:nvSpPr>
-          <p:cNvPr id="3" name="Content Placeholder 2"/>
-          <p:cNvSpPr>
-            <a:spLocks noGrp="1"/>
-          </p:cNvSpPr>
-          <p:nvPr>
-            <p:ph idx="1"/>
-          </p:nvPr>
-        </p:nvSpPr>
-        <p:spPr/>
-        <p:txBody>
-          <a:bodyPr>
-            <a:normAutofit/>
-          </a:bodyPr>
-          <a:lstStyle/>
-          <a:p>
-            <a:pPr marL="0" indent="0">
-              <a:buNone/>
-            </a:pPr>
-            <a:r>
-              <a:rPr lang="en-IN" sz="1800" dirty="0"/>
-              <a:t>Plot 1</a:t>
-            </a:r>
-          </a:p>
-        </p:txBody>
-      </p:sp>
-      <p:sp>
-        <p:nvSpPr>
-          <p:cNvPr id="6" name="Title 1"/>
-          <p:cNvSpPr>
-            <a:spLocks noGrp="1"/>
-          </p:cNvSpPr>
-          <p:nvPr>
-            <p:ph type="title"/>
-          </p:nvPr>
-        </p:nvSpPr>
+      <p:pic>
+        <p:nvPicPr>
+          <p:cNvPr id="2" name="Content Placeholder 1" descr="plot-2"/>
+          <p:cNvPicPr>
+            <a:picLocks noChangeAspect="1"/>
+          </p:cNvPicPr>
+          <p:nvPr>
+            <p:ph sz="half" idx="2"/>
+          </p:nvPr>
+        </p:nvPicPr>
+        <p:blipFill>
+          <a:blip r:embed="rId1"/>
+          <a:stretch>
+            <a:fillRect/>
+          </a:stretch>
+        </p:blipFill>
         <p:spPr>
           <a:xfrm>
-            <a:off x="1136469" y="640080"/>
-            <a:ext cx="9313817" cy="856138"/>
+            <a:off x="2555875" y="471170"/>
+            <a:ext cx="9658985" cy="6390640"/>
+          </a:xfrm>
+          <a:prstGeom prst="rect">
+            <a:avLst/>
+          </a:prstGeom>
+        </p:spPr>
+      </p:pic>
+      <p:sp>
+        <p:nvSpPr>
+          <p:cNvPr id="6" name="Title 1"/>
+          <p:cNvSpPr>
+            <a:spLocks noGrp="1"/>
+          </p:cNvSpPr>
+          <p:nvPr>
+            <p:ph type="title"/>
+          </p:nvPr>
+        </p:nvSpPr>
+        <p:spPr>
+          <a:xfrm>
+            <a:off x="1117148" y="116522"/>
+            <a:ext cx="9181075" cy="984886"/>
           </a:xfrm>
         </p:spPr>
         <p:txBody>
@@ -4092,22 +6730,20 @@
           <a:lstStyle/>
           <a:p>
             <a:r>
-              <a:rPr lang="en-IN" b="1" dirty="0"/>
-              <a:t> </a:t>
-            </a:r>
-            <a:r>
-              <a:rPr lang="en-IN" sz="2800" dirty="0"/>
-              <a:t>&lt;Results&gt;</a:t>
-            </a:r>
+              <a:rPr lang="en-IN" b="1" dirty="0">
+                <a:latin typeface="+mj-lt"/>
+                <a:cs typeface="+mj-lt"/>
+              </a:rPr>
+              <a:t>Investments across top 3 countries</a:t>
+            </a:r>
+            <a:endParaRPr lang="en-IN" sz="2800" dirty="0">
+              <a:latin typeface="+mj-lt"/>
+              <a:cs typeface="+mj-lt"/>
+            </a:endParaRPr>
           </a:p>
         </p:txBody>
       </p:sp>
     </p:spTree>
-    <p:extLst>
-      <p:ext uri="{BB962C8B-B14F-4D97-AF65-F5344CB8AC3E}">
-        <p14:creationId xmlns:p14="http://schemas.microsoft.com/office/powerpoint/2010/main" val="1739856806"/>
-      </p:ext>
-    </p:extLst>
   </p:cSld>
   <p:clrMapOvr>
     <a:masterClrMapping/>
@@ -4132,70 +6768,86 @@
           <a:chExt cx="0" cy="0"/>
         </a:xfrm>
       </p:grpSpPr>
-      <p:sp>
-        <p:nvSpPr>
-          <p:cNvPr id="3" name="Content Placeholder 2"/>
-          <p:cNvSpPr>
-            <a:spLocks noGrp="1"/>
-          </p:cNvSpPr>
-          <p:nvPr>
-            <p:ph idx="1"/>
-          </p:nvPr>
-        </p:nvSpPr>
-        <p:spPr/>
+      <p:pic>
+        <p:nvPicPr>
+          <p:cNvPr id="2" name="Content Placeholder 1" descr="plot-3"/>
+          <p:cNvPicPr>
+            <a:picLocks noChangeAspect="1"/>
+          </p:cNvPicPr>
+          <p:nvPr>
+            <p:ph sz="half" idx="2"/>
+          </p:nvPr>
+        </p:nvPicPr>
+        <p:blipFill>
+          <a:blip r:embed="rId1"/>
+          <a:stretch>
+            <a:fillRect/>
+          </a:stretch>
+        </p:blipFill>
+        <p:spPr>
+          <a:xfrm>
+            <a:off x="2563495" y="456565"/>
+            <a:ext cx="9636760" cy="6376670"/>
+          </a:xfrm>
+          <a:prstGeom prst="rect">
+            <a:avLst/>
+          </a:prstGeom>
+        </p:spPr>
+      </p:pic>
+      <p:sp>
+        <p:nvSpPr>
+          <p:cNvPr id="6" name="Title 1"/>
+          <p:cNvSpPr>
+            <a:spLocks noGrp="1"/>
+          </p:cNvSpPr>
+          <p:nvPr>
+            <p:ph type="title"/>
+          </p:nvPr>
+        </p:nvSpPr>
+        <p:spPr>
+          <a:xfrm>
+            <a:off x="1071428" y="101917"/>
+            <a:ext cx="9181075" cy="984886"/>
+          </a:xfrm>
+        </p:spPr>
         <p:txBody>
           <a:bodyPr>
             <a:normAutofit/>
           </a:bodyPr>
           <a:lstStyle/>
           <a:p>
-            <a:pPr marL="0" indent="0">
-              <a:buNone/>
-            </a:pPr>
-            <a:r>
-              <a:rPr lang="en-IN" sz="1800" dirty="0"/>
-              <a:t>Plot 2</a:t>
-            </a:r>
-          </a:p>
-        </p:txBody>
-      </p:sp>
-      <p:sp>
-        <p:nvSpPr>
-          <p:cNvPr id="6" name="Title 1"/>
-          <p:cNvSpPr>
-            <a:spLocks noGrp="1"/>
-          </p:cNvSpPr>
-          <p:nvPr>
-            <p:ph type="title"/>
-          </p:nvPr>
-        </p:nvSpPr>
-        <p:spPr>
-          <a:xfrm>
-            <a:off x="1136469" y="640080"/>
-            <a:ext cx="9313817" cy="856138"/>
-          </a:xfrm>
-        </p:spPr>
-        <p:txBody>
-          <a:bodyPr/>
-          <a:lstStyle/>
-          <a:p>
-            <a:r>
-              <a:rPr lang="en-IN" b="1" dirty="0"/>
-              <a:t> </a:t>
-            </a:r>
-            <a:r>
-              <a:rPr lang="en-IN" sz="2800" dirty="0"/>
-              <a:t>&lt;Results&gt;</a:t>
-            </a:r>
+            <a:r>
+              <a:rPr sz="2800" b="1">
+                <a:latin typeface="+mj-lt"/>
+                <a:cs typeface="+mj-lt"/>
+                <a:sym typeface="+mn-ea"/>
+              </a:rPr>
+              <a:t>Investments </a:t>
+            </a:r>
+            <a:r>
+              <a:rPr lang="en-IN" sz="2800" b="1">
+                <a:latin typeface="+mj-lt"/>
+                <a:cs typeface="+mj-lt"/>
+                <a:sym typeface="+mn-ea"/>
+              </a:rPr>
+              <a:t>across</a:t>
+            </a:r>
+            <a:r>
+              <a:rPr sz="2800" b="1">
+                <a:latin typeface="+mj-lt"/>
+                <a:cs typeface="+mj-lt"/>
+                <a:sym typeface="+mn-ea"/>
+              </a:rPr>
+              <a:t> top 3 sectors of the top 3 countries</a:t>
+            </a:r>
+            <a:endParaRPr lang="en-IN" sz="2800" b="1" dirty="0">
+              <a:latin typeface="+mj-lt"/>
+              <a:cs typeface="+mj-lt"/>
+            </a:endParaRPr>
           </a:p>
         </p:txBody>
       </p:sp>
     </p:spTree>
-    <p:extLst>
-      <p:ext uri="{BB962C8B-B14F-4D97-AF65-F5344CB8AC3E}">
-        <p14:creationId xmlns:p14="http://schemas.microsoft.com/office/powerpoint/2010/main" val="3733554285"/>
-      </p:ext>
-    </p:extLst>
   </p:cSld>
   <p:clrMapOvr>
     <a:masterClrMapping/>
@@ -4237,19 +6889,211 @@
           </a:bodyPr>
           <a:lstStyle/>
           <a:p>
-            <a:pPr marL="0" indent="0">
-              <a:buNone/>
-            </a:pPr>
-            <a:r>
-              <a:rPr lang="en-IN" sz="1800" dirty="0"/>
-              <a:t>Plot 3</a:t>
-            </a:r>
-          </a:p>
-        </p:txBody>
-      </p:sp>
-      <p:sp>
-        <p:nvSpPr>
-          <p:cNvPr id="6" name="Title 1"/>
+            <a:r>
+              <a:rPr lang="en-IN" sz="2000" dirty="0">
+                <a:latin typeface="+mj-lt"/>
+                <a:cs typeface="+mj-lt"/>
+              </a:rPr>
+              <a:t>From the Plots, USA is market leader attracting both Investments and Investors, followed by United Kingdom and India</a:t>
+            </a:r>
+            <a:endParaRPr lang="en-IN" sz="2000" dirty="0">
+              <a:latin typeface="+mj-lt"/>
+              <a:cs typeface="+mj-lt"/>
+            </a:endParaRPr>
+          </a:p>
+          <a:p>
+            <a:r>
+              <a:rPr lang="en-IN" sz="2000" dirty="0">
+                <a:latin typeface="+mj-lt"/>
+                <a:cs typeface="+mj-lt"/>
+              </a:rPr>
+              <a:t>Investment Strategy</a:t>
+            </a:r>
+            <a:endParaRPr lang="en-IN" sz="2000" dirty="0">
+              <a:latin typeface="+mj-lt"/>
+              <a:cs typeface="+mj-lt"/>
+            </a:endParaRPr>
+          </a:p>
+          <a:p>
+            <a:pPr lvl="1"/>
+            <a:r>
+              <a:rPr lang="en-IN" sz="2000" dirty="0">
+                <a:latin typeface="+mj-lt"/>
+                <a:cs typeface="+mj-lt"/>
+              </a:rPr>
+              <a:t>USA - 50% - spread across top companies across top 2 sectors</a:t>
+            </a:r>
+            <a:endParaRPr lang="en-IN" sz="2000" dirty="0">
+              <a:latin typeface="+mj-lt"/>
+              <a:cs typeface="+mj-lt"/>
+            </a:endParaRPr>
+          </a:p>
+          <a:p>
+            <a:pPr lvl="2"/>
+            <a:r>
+              <a:rPr lang="en-IN" sz="1600" dirty="0">
+                <a:latin typeface="+mj-lt"/>
+                <a:cs typeface="+mj-lt"/>
+              </a:rPr>
+              <a:t>Virtustream</a:t>
+            </a:r>
+            <a:endParaRPr lang="en-IN" sz="1600" dirty="0">
+              <a:latin typeface="+mj-lt"/>
+              <a:cs typeface="+mj-lt"/>
+            </a:endParaRPr>
+          </a:p>
+          <a:p>
+            <a:pPr lvl="2"/>
+            <a:r>
+              <a:rPr lang="en-IN" sz="1600" dirty="0">
+                <a:latin typeface="+mj-lt"/>
+                <a:cs typeface="+mj-lt"/>
+              </a:rPr>
+              <a:t>Capella</a:t>
+            </a:r>
+            <a:endParaRPr lang="en-IN" sz="1600" dirty="0">
+              <a:latin typeface="+mj-lt"/>
+              <a:cs typeface="+mj-lt"/>
+            </a:endParaRPr>
+          </a:p>
+          <a:p>
+            <a:pPr lvl="2"/>
+            <a:r>
+              <a:rPr lang="en-IN" sz="1600" dirty="0">
+                <a:latin typeface="+mj-lt"/>
+                <a:cs typeface="+mj-lt"/>
+              </a:rPr>
+              <a:t>shotspotter</a:t>
+            </a:r>
+            <a:endParaRPr lang="en-IN" sz="1600" dirty="0">
+              <a:latin typeface="+mj-lt"/>
+              <a:cs typeface="+mj-lt"/>
+            </a:endParaRPr>
+          </a:p>
+          <a:p>
+            <a:pPr lvl="2"/>
+            <a:r>
+              <a:rPr lang="en-IN" sz="1600" dirty="0">
+                <a:latin typeface="+mj-lt"/>
+                <a:cs typeface="+mj-lt"/>
+              </a:rPr>
+              <a:t>demandbase</a:t>
+            </a:r>
+            <a:endParaRPr lang="en-IN" sz="1600" dirty="0">
+              <a:latin typeface="+mj-lt"/>
+              <a:cs typeface="+mj-lt"/>
+            </a:endParaRPr>
+          </a:p>
+          <a:p>
+            <a:pPr lvl="1"/>
+            <a:r>
+              <a:rPr lang="en-IN" sz="2000" dirty="0">
+                <a:latin typeface="+mj-lt"/>
+                <a:cs typeface="+mj-lt"/>
+              </a:rPr>
+              <a:t>GBR - 30% - spread across top company in top 2 sectors</a:t>
+            </a:r>
+            <a:endParaRPr lang="en-IN" sz="2000" dirty="0">
+              <a:latin typeface="+mj-lt"/>
+              <a:cs typeface="+mj-lt"/>
+            </a:endParaRPr>
+          </a:p>
+          <a:p>
+            <a:pPr lvl="2"/>
+            <a:r>
+              <a:rPr lang="en-IN" sz="1600" dirty="0">
+                <a:latin typeface="+mj-lt"/>
+                <a:cs typeface="+mj-lt"/>
+              </a:rPr>
+              <a:t>electric-cloud</a:t>
+            </a:r>
+            <a:endParaRPr lang="en-IN" sz="1600" dirty="0">
+              <a:latin typeface="+mj-lt"/>
+              <a:cs typeface="+mj-lt"/>
+            </a:endParaRPr>
+          </a:p>
+          <a:p>
+            <a:pPr lvl="2"/>
+            <a:r>
+              <a:rPr lang="en-IN" sz="1600" dirty="0">
+                <a:latin typeface="+mj-lt"/>
+                <a:cs typeface="+mj-lt"/>
+              </a:rPr>
+              <a:t>celltick technologies</a:t>
+            </a:r>
+            <a:endParaRPr lang="en-IN" sz="1600" dirty="0">
+              <a:latin typeface="+mj-lt"/>
+              <a:cs typeface="+mj-lt"/>
+            </a:endParaRPr>
+          </a:p>
+          <a:p>
+            <a:pPr lvl="1"/>
+            <a:r>
+              <a:rPr lang="en-IN" sz="2000" dirty="0">
+                <a:latin typeface="+mj-lt"/>
+                <a:cs typeface="+mj-lt"/>
+              </a:rPr>
+              <a:t>IND - 20% - spread across top company in top 2 sectors</a:t>
+            </a:r>
+            <a:endParaRPr lang="en-IN" sz="2000" dirty="0">
+              <a:latin typeface="+mj-lt"/>
+              <a:cs typeface="+mj-lt"/>
+            </a:endParaRPr>
+          </a:p>
+          <a:p>
+            <a:pPr lvl="2"/>
+            <a:r>
+              <a:rPr lang="en-IN" sz="1600" dirty="0">
+                <a:latin typeface="+mj-lt"/>
+                <a:cs typeface="+mj-lt"/>
+              </a:rPr>
+              <a:t>first-cry-com</a:t>
+            </a:r>
+            <a:endParaRPr lang="en-IN" sz="1600" dirty="0">
+              <a:latin typeface="+mj-lt"/>
+              <a:cs typeface="+mj-lt"/>
+            </a:endParaRPr>
+          </a:p>
+          <a:p>
+            <a:pPr lvl="2"/>
+            <a:r>
+              <a:rPr lang="en-IN" sz="1600" dirty="0">
+                <a:latin typeface="+mj-lt"/>
+                <a:cs typeface="+mj-lt"/>
+              </a:rPr>
+              <a:t>manthan-systems</a:t>
+            </a:r>
+            <a:endParaRPr lang="en-IN" sz="1600" dirty="0">
+              <a:latin typeface="+mj-lt"/>
+              <a:cs typeface="+mj-lt"/>
+            </a:endParaRPr>
+          </a:p>
+          <a:p>
+            <a:pPr lvl="1"/>
+            <a:endParaRPr lang="en-IN" sz="2000" dirty="0">
+              <a:latin typeface="+mj-lt"/>
+              <a:cs typeface="+mj-lt"/>
+            </a:endParaRPr>
+          </a:p>
+          <a:p>
+            <a:pPr lvl="1"/>
+            <a:endParaRPr lang="en-IN" sz="2000" dirty="0">
+              <a:latin typeface="+mj-lt"/>
+              <a:cs typeface="+mj-lt"/>
+            </a:endParaRPr>
+          </a:p>
+          <a:p>
+            <a:pPr lvl="1"/>
+            <a:endParaRPr lang="en-IN" sz="2000" dirty="0">
+              <a:latin typeface="+mj-lt"/>
+              <a:cs typeface="+mj-lt"/>
+            </a:endParaRPr>
+          </a:p>
+        </p:txBody>
+      </p:sp>
+      <p:sp>
+        <p:nvSpPr>
+          <p:cNvPr id="5" name="Title 1"/>
           <p:cNvSpPr>
             <a:spLocks noGrp="1"/>
           </p:cNvSpPr>
@@ -4268,22 +7112,20 @@
           <a:lstStyle/>
           <a:p>
             <a:r>
-              <a:rPr lang="en-IN" b="1" dirty="0"/>
-              <a:t> </a:t>
-            </a:r>
-            <a:r>
-              <a:rPr lang="en-IN" sz="2800" dirty="0"/>
-              <a:t>&lt;Results&gt;</a:t>
-            </a:r>
+              <a:rPr lang="en-IN" b="1" dirty="0">
+                <a:latin typeface="+mj-lt"/>
+                <a:cs typeface="+mj-lt"/>
+              </a:rPr>
+              <a:t> Where to Invest</a:t>
+            </a:r>
+            <a:endParaRPr lang="en-IN" sz="2800" dirty="0">
+              <a:latin typeface="+mj-lt"/>
+              <a:cs typeface="+mj-lt"/>
+            </a:endParaRPr>
           </a:p>
         </p:txBody>
       </p:sp>
     </p:spTree>
-    <p:extLst>
-      <p:ext uri="{BB962C8B-B14F-4D97-AF65-F5344CB8AC3E}">
-        <p14:creationId xmlns:p14="http://schemas.microsoft.com/office/powerpoint/2010/main" val="1057818561"/>
-      </p:ext>
-    </p:extLst>
   </p:cSld>
   <p:clrMapOvr>
     <a:masterClrMapping/>
@@ -4334,7 +7176,7 @@
     </a:clrScheme>
     <a:fontScheme name="Office Theme">
       <a:majorFont>
-        <a:latin typeface="Calibri Light" panose="020F0302020204030204"/>
+        <a:latin typeface="Calibri Light"/>
         <a:ea typeface=""/>
         <a:cs typeface=""/>
         <a:font script="Jpan" typeface="游ゴシック Light"/>
@@ -4369,7 +7211,7 @@
         <a:font script="Geor" typeface="Sylfaen"/>
       </a:majorFont>
       <a:minorFont>
-        <a:latin typeface="Calibri" panose="020F0502020204030204"/>
+        <a:latin typeface="Calibri"/>
         <a:ea typeface=""/>
         <a:cs typeface=""/>
         <a:font script="Jpan" typeface="游ゴシック"/>
@@ -4542,8 +7384,6 @@
       </a:bgFillStyleLst>
     </a:fmtScheme>
   </a:themeElements>
-  <a:objectDefaults/>
-  <a:extraClrSchemeLst/>
   <a:extLst>
     <a:ext uri="{05A4C25C-085E-4340-85A3-A5531E510DB2}">
       <thm15:themeFamily xmlns:thm15="http://schemas.microsoft.com/office/thememl/2012/main" name="Office Theme" id="{62F939B6-93AF-4DB8-9C6B-D6C7DFDC589F}" vid="{4A3C46E8-61CC-4603-A589-7422A47A8E4A}"/>
@@ -4595,7 +7435,7 @@
     </a:clrScheme>
     <a:fontScheme name="Office">
       <a:majorFont>
-        <a:latin typeface="Calibri Light" panose="020F0302020204030204"/>
+        <a:latin typeface="Calibri Light"/>
         <a:ea typeface=""/>
         <a:cs typeface=""/>
         <a:font script="Jpan" typeface="游ゴシック Light"/>
@@ -4628,26 +7468,9 @@
         <a:font script="Viet" typeface="Times New Roman"/>
         <a:font script="Uigh" typeface="Microsoft Uighur"/>
         <a:font script="Geor" typeface="Sylfaen"/>
-        <a:font script="Armn" typeface="Arial"/>
-        <a:font script="Bugi" typeface="Leelawadee UI"/>
-        <a:font script="Bopo" typeface="Microsoft JhengHei"/>
-        <a:font script="Java" typeface="Javanese Text"/>
-        <a:font script="Lisu" typeface="Segoe UI"/>
-        <a:font script="Mymr" typeface="Myanmar Text"/>
-        <a:font script="Nkoo" typeface="Ebrima"/>
-        <a:font script="Olck" typeface="Nirmala UI"/>
-        <a:font script="Osma" typeface="Ebrima"/>
-        <a:font script="Phag" typeface="Phagspa"/>
-        <a:font script="Syrn" typeface="Estrangelo Edessa"/>
-        <a:font script="Syrj" typeface="Estrangelo Edessa"/>
-        <a:font script="Syre" typeface="Estrangelo Edessa"/>
-        <a:font script="Sora" typeface="Nirmala UI"/>
-        <a:font script="Tale" typeface="Microsoft Tai Le"/>
-        <a:font script="Talu" typeface="Microsoft New Tai Lue"/>
-        <a:font script="Tfng" typeface="Ebrima"/>
       </a:majorFont>
       <a:minorFont>
-        <a:latin typeface="Calibri" panose="020F0502020204030204"/>
+        <a:latin typeface="Calibri"/>
         <a:ea typeface=""/>
         <a:cs typeface=""/>
         <a:font script="Jpan" typeface="游ゴシック"/>
@@ -4680,23 +7503,6 @@
         <a:font script="Viet" typeface="Arial"/>
         <a:font script="Uigh" typeface="Microsoft Uighur"/>
         <a:font script="Geor" typeface="Sylfaen"/>
-        <a:font script="Armn" typeface="Arial"/>
-        <a:font script="Bugi" typeface="Leelawadee UI"/>
-        <a:font script="Bopo" typeface="Microsoft JhengHei"/>
-        <a:font script="Java" typeface="Javanese Text"/>
-        <a:font script="Lisu" typeface="Segoe UI"/>
-        <a:font script="Mymr" typeface="Myanmar Text"/>
-        <a:font script="Nkoo" typeface="Ebrima"/>
-        <a:font script="Olck" typeface="Nirmala UI"/>
-        <a:font script="Osma" typeface="Ebrima"/>
-        <a:font script="Phag" typeface="Phagspa"/>
-        <a:font script="Syrn" typeface="Estrangelo Edessa"/>
-        <a:font script="Syrj" typeface="Estrangelo Edessa"/>
-        <a:font script="Syre" typeface="Estrangelo Edessa"/>
-        <a:font script="Sora" typeface="Nirmala UI"/>
-        <a:font script="Tale" typeface="Microsoft Tai Le"/>
-        <a:font script="Talu" typeface="Microsoft New Tai Lue"/>
-        <a:font script="Tfng" typeface="Ebrima"/>
       </a:minorFont>
     </a:fontScheme>
     <a:fmtScheme name="Office">
@@ -4837,8 +7643,6 @@
       </a:bgFillStyleLst>
     </a:fmtScheme>
   </a:themeElements>
-  <a:objectDefaults/>
-  <a:extraClrSchemeLst/>
   <a:extLst>
     <a:ext uri="{05A4C25C-085E-4340-85A3-A5531E510DB2}">
       <thm15:themeFamily xmlns:thm15="http://schemas.microsoft.com/office/thememl/2012/main" name="Office Theme" id="{62F939B6-93AF-4DB8-9C6B-D6C7DFDC589F}" vid="{4A3C46E8-61CC-4603-A589-7422A47A8E4A}"/>
